--- a/materials/slides/第十章 事件对象.pptx
+++ b/materials/slides/第十章 事件对象.pptx
@@ -5,7 +5,7 @@
     <p:sldMasterId id="2147483765" r:id="rId1"/>
   </p:sldMasterIdLst>
   <p:notesMasterIdLst>
-    <p:notesMasterId r:id="rId14"/>
+    <p:notesMasterId r:id="rId15"/>
   </p:notesMasterIdLst>
   <p:sldIdLst>
     <p:sldId id="773" r:id="rId2"/>
@@ -18,8 +18,9 @@
     <p:sldId id="897" r:id="rId9"/>
     <p:sldId id="887" r:id="rId10"/>
     <p:sldId id="894" r:id="rId11"/>
-    <p:sldId id="893" r:id="rId12"/>
-    <p:sldId id="794" r:id="rId13"/>
+    <p:sldId id="898" r:id="rId12"/>
+    <p:sldId id="893" r:id="rId13"/>
+    <p:sldId id="794" r:id="rId14"/>
   </p:sldIdLst>
   <p:sldSz cx="12190413" cy="6859588"/>
   <p:notesSz cx="6797675" cy="9928225"/>
@@ -148,6 +149,27 @@
       </a:defRPr>
     </a:lvl9pPr>
   </p:defaultTextStyle>
+  <p:extLst>
+    <p:ext uri="{EFAFB233-063F-42B5-8137-9DF3F51BA10A}">
+      <p15:sldGuideLst xmlns:p15="http://schemas.microsoft.com/office/powerpoint/2012/main">
+        <p15:guide id="1" orient="horz" pos="1555">
+          <p15:clr>
+            <a:srgbClr val="A4A3A4"/>
+          </p15:clr>
+        </p15:guide>
+        <p15:guide id="2" pos="1856">
+          <p15:clr>
+            <a:srgbClr val="A4A3A4"/>
+          </p15:clr>
+        </p15:guide>
+        <p15:guide id="3" pos="7498">
+          <p15:clr>
+            <a:srgbClr val="A4A3A4"/>
+          </p15:clr>
+        </p15:guide>
+      </p15:sldGuideLst>
+    </p:ext>
+  </p:extLst>
 </p:presentation>
 </file>
 
@@ -848,6 +870,225 @@
 </p:notes>
 </file>
 
+<file path=ppt/notesSlides/notesSlide10.xml><?xml version="1.0" encoding="utf-8"?>
+<p:notes xmlns:a="http://schemas.openxmlformats.org/drawingml/2006/main" xmlns:r="http://schemas.openxmlformats.org/officeDocument/2006/relationships" xmlns:p="http://schemas.openxmlformats.org/presentationml/2006/main">
+  <p:cSld>
+    <p:spTree>
+      <p:nvGrpSpPr>
+        <p:cNvPr id="1" name=""/>
+        <p:cNvGrpSpPr/>
+        <p:nvPr/>
+      </p:nvGrpSpPr>
+      <p:grpSpPr>
+        <a:xfrm>
+          <a:off x="0" y="0"/>
+          <a:ext cx="0" cy="0"/>
+          <a:chOff x="0" y="0"/>
+          <a:chExt cx="0" cy="0"/>
+        </a:xfrm>
+      </p:grpSpPr>
+      <p:sp>
+        <p:nvSpPr>
+          <p:cNvPr id="23554" name="幻灯片图像占位符 1"/>
+          <p:cNvSpPr>
+            <a:spLocks noGrp="1" noRot="1" noChangeAspect="1" noChangeArrowheads="1" noTextEdit="1"/>
+          </p:cNvSpPr>
+          <p:nvPr>
+            <p:ph type="sldImg" idx="4294967295"/>
+          </p:nvPr>
+        </p:nvSpPr>
+        <p:spPr/>
+      </p:sp>
+      <p:sp>
+        <p:nvSpPr>
+          <p:cNvPr id="23555" name="备注占位符 2"/>
+          <p:cNvSpPr>
+            <a:spLocks noGrp="1" noChangeArrowheads="1"/>
+          </p:cNvSpPr>
+          <p:nvPr>
+            <p:ph type="body" idx="4294967295"/>
+          </p:nvPr>
+        </p:nvSpPr>
+        <p:spPr/>
+        <p:txBody>
+          <a:bodyPr>
+            <a:prstTxWarp prst="textNoShape">
+              <a:avLst/>
+            </a:prstTxWarp>
+          </a:bodyPr>
+          <a:lstStyle/>
+          <a:p>
+            <a:endParaRPr lang="en-US" altLang="zh-CN" smtClean="0">
+              <a:latin typeface="Arial" charset="0"/>
+            </a:endParaRPr>
+          </a:p>
+        </p:txBody>
+      </p:sp>
+      <p:sp>
+        <p:nvSpPr>
+          <p:cNvPr id="23556" name="灯片编号占位符 3"/>
+          <p:cNvSpPr>
+            <a:spLocks noGrp="1" noChangeArrowheads="1"/>
+          </p:cNvSpPr>
+          <p:nvPr>
+            <p:ph type="sldNum" sz="quarter" idx="5"/>
+          </p:nvPr>
+        </p:nvSpPr>
+        <p:spPr>
+          <a:noFill/>
+          <a:ln/>
+          <a:extLst>
+            <a:ext uri="{909E8E84-426E-40DD-AFC4-6F175D3DCCD1}">
+              <a14:hiddenFill xmlns:a14="http://schemas.microsoft.com/office/drawing/2010/main">
+                <a:solidFill>
+                  <a:srgbClr val="FFFFFF"/>
+                </a:solidFill>
+              </a14:hiddenFill>
+            </a:ext>
+            <a:ext uri="{91240B29-F687-4F45-9708-019B960494DF}">
+              <a14:hiddenLine xmlns:a14="http://schemas.microsoft.com/office/drawing/2010/main" w="9525">
+                <a:solidFill>
+                  <a:srgbClr val="000000"/>
+                </a:solidFill>
+                <a:miter lim="800000"/>
+                <a:headEnd/>
+                <a:tailEnd/>
+              </a14:hiddenLine>
+            </a:ext>
+          </a:extLst>
+        </p:spPr>
+        <p:txBody>
+          <a:bodyPr/>
+          <a:lstStyle>
+            <a:lvl1pPr>
+              <a:defRPr sz="4300">
+                <a:solidFill>
+                  <a:schemeClr val="tx1"/>
+                </a:solidFill>
+                <a:latin typeface="Arial" charset="0"/>
+                <a:ea typeface="微软雅黑" pitchFamily="34" charset="-122"/>
+              </a:defRPr>
+            </a:lvl1pPr>
+            <a:lvl2pPr marL="742950" indent="-285750">
+              <a:defRPr sz="4300">
+                <a:solidFill>
+                  <a:schemeClr val="tx1"/>
+                </a:solidFill>
+                <a:latin typeface="Arial" charset="0"/>
+                <a:ea typeface="微软雅黑" pitchFamily="34" charset="-122"/>
+              </a:defRPr>
+            </a:lvl2pPr>
+            <a:lvl3pPr marL="1143000" indent="-228600">
+              <a:defRPr sz="4300">
+                <a:solidFill>
+                  <a:schemeClr val="tx1"/>
+                </a:solidFill>
+                <a:latin typeface="Arial" charset="0"/>
+                <a:ea typeface="微软雅黑" pitchFamily="34" charset="-122"/>
+              </a:defRPr>
+            </a:lvl3pPr>
+            <a:lvl4pPr marL="1600200" indent="-228600">
+              <a:defRPr sz="4300">
+                <a:solidFill>
+                  <a:schemeClr val="tx1"/>
+                </a:solidFill>
+                <a:latin typeface="Arial" charset="0"/>
+                <a:ea typeface="微软雅黑" pitchFamily="34" charset="-122"/>
+              </a:defRPr>
+            </a:lvl4pPr>
+            <a:lvl5pPr marL="2057400" indent="-228600">
+              <a:defRPr sz="4300">
+                <a:solidFill>
+                  <a:schemeClr val="tx1"/>
+                </a:solidFill>
+                <a:latin typeface="Arial" charset="0"/>
+                <a:ea typeface="微软雅黑" pitchFamily="34" charset="-122"/>
+              </a:defRPr>
+            </a:lvl5pPr>
+            <a:lvl6pPr marL="2514600" indent="-228600" eaLnBrk="0" fontAlgn="base" hangingPunct="0">
+              <a:spcBef>
+                <a:spcPct val="0"/>
+              </a:spcBef>
+              <a:spcAft>
+                <a:spcPct val="0"/>
+              </a:spcAft>
+              <a:defRPr sz="4300">
+                <a:solidFill>
+                  <a:schemeClr val="tx1"/>
+                </a:solidFill>
+                <a:latin typeface="Arial" charset="0"/>
+                <a:ea typeface="微软雅黑" pitchFamily="34" charset="-122"/>
+              </a:defRPr>
+            </a:lvl6pPr>
+            <a:lvl7pPr marL="2971800" indent="-228600" eaLnBrk="0" fontAlgn="base" hangingPunct="0">
+              <a:spcBef>
+                <a:spcPct val="0"/>
+              </a:spcBef>
+              <a:spcAft>
+                <a:spcPct val="0"/>
+              </a:spcAft>
+              <a:defRPr sz="4300">
+                <a:solidFill>
+                  <a:schemeClr val="tx1"/>
+                </a:solidFill>
+                <a:latin typeface="Arial" charset="0"/>
+                <a:ea typeface="微软雅黑" pitchFamily="34" charset="-122"/>
+              </a:defRPr>
+            </a:lvl7pPr>
+            <a:lvl8pPr marL="3429000" indent="-228600" eaLnBrk="0" fontAlgn="base" hangingPunct="0">
+              <a:spcBef>
+                <a:spcPct val="0"/>
+              </a:spcBef>
+              <a:spcAft>
+                <a:spcPct val="0"/>
+              </a:spcAft>
+              <a:defRPr sz="4300">
+                <a:solidFill>
+                  <a:schemeClr val="tx1"/>
+                </a:solidFill>
+                <a:latin typeface="Arial" charset="0"/>
+                <a:ea typeface="微软雅黑" pitchFamily="34" charset="-122"/>
+              </a:defRPr>
+            </a:lvl8pPr>
+            <a:lvl9pPr marL="3886200" indent="-228600" eaLnBrk="0" fontAlgn="base" hangingPunct="0">
+              <a:spcBef>
+                <a:spcPct val="0"/>
+              </a:spcBef>
+              <a:spcAft>
+                <a:spcPct val="0"/>
+              </a:spcAft>
+              <a:defRPr sz="4300">
+                <a:solidFill>
+                  <a:schemeClr val="tx1"/>
+                </a:solidFill>
+                <a:latin typeface="Arial" charset="0"/>
+                <a:ea typeface="微软雅黑" pitchFamily="34" charset="-122"/>
+              </a:defRPr>
+            </a:lvl9pPr>
+          </a:lstStyle>
+          <a:p>
+            <a:pPr eaLnBrk="1" hangingPunct="1"/>
+            <a:fld id="{DE35EAA7-C3CA-4978-B6A2-97BDDB6D1801}" type="slidenum">
+              <a:rPr lang="zh-CN" altLang="zh-CN" sz="3200" smtClean="0">
+                <a:ea typeface="宋体" charset="-122"/>
+              </a:rPr>
+              <a:pPr eaLnBrk="1" hangingPunct="1"/>
+              <a:t>12</a:t>
+            </a:fld>
+            <a:endParaRPr lang="zh-CN" altLang="zh-CN" sz="3200" smtClean="0">
+              <a:ea typeface="宋体" charset="-122"/>
+            </a:endParaRPr>
+          </a:p>
+        </p:txBody>
+      </p:sp>
+    </p:spTree>
+  </p:cSld>
+  <p:clrMapOvr>
+    <a:masterClrMapping/>
+  </p:clrMapOvr>
+</p:notes>
+</file>
+
 <file path=ppt/notesSlides/notesSlide2.xml><?xml version="1.0" encoding="utf-8"?>
 <p:notes xmlns:a="http://schemas.openxmlformats.org/drawingml/2006/main" xmlns:r="http://schemas.openxmlformats.org/officeDocument/2006/relationships" xmlns:p="http://schemas.openxmlformats.org/presentationml/2006/main">
   <p:cSld>
@@ -2231,7 +2472,96 @@
           </a:bodyPr>
           <a:lstStyle/>
           <a:p>
-            <a:endParaRPr lang="en-US" altLang="zh-CN" smtClean="0">
+            <a:r>
+              <a:rPr lang="zh-CN" altLang="en-US" dirty="0" smtClean="0">
+                <a:latin typeface="Arial" charset="0"/>
+              </a:rPr>
+              <a:t>在</a:t>
+            </a:r>
+            <a:r>
+              <a:rPr lang="en-US" altLang="zh-CN" dirty="0" smtClean="0">
+                <a:latin typeface="Arial" charset="0"/>
+              </a:rPr>
+              <a:t>DIV</a:t>
+            </a:r>
+            <a:r>
+              <a:rPr lang="zh-CN" altLang="en-US" dirty="0" smtClean="0">
+                <a:latin typeface="Arial" charset="0"/>
+              </a:rPr>
+              <a:t>上单击了一下，不会只触发</a:t>
+            </a:r>
+            <a:r>
+              <a:rPr lang="en-US" altLang="zh-CN" dirty="0" err="1" smtClean="0">
+                <a:latin typeface="Arial" charset="0"/>
+              </a:rPr>
+              <a:t>div.onclick</a:t>
+            </a:r>
+            <a:r>
+              <a:rPr lang="zh-CN" altLang="en-US" dirty="0" smtClean="0">
+                <a:latin typeface="Arial" charset="0"/>
+              </a:rPr>
+              <a:t>。会接连触发</a:t>
+            </a:r>
+            <a:r>
+              <a:rPr lang="en-US" altLang="zh-CN" dirty="0" err="1" smtClean="0">
+                <a:latin typeface="Arial" charset="0"/>
+              </a:rPr>
+              <a:t>body.onclick,document.documentElement.onclick,document.onclick</a:t>
+            </a:r>
+            <a:r>
+              <a:rPr lang="zh-CN" altLang="en-US" baseline="0" smtClean="0">
+                <a:latin typeface="Arial" charset="0"/>
+              </a:rPr>
+              <a:t> </a:t>
+            </a:r>
+            <a:r>
+              <a:rPr lang="zh-CN" altLang="en-US" smtClean="0">
+                <a:latin typeface="Arial" charset="0"/>
+              </a:rPr>
+              <a:t>一连串</a:t>
+            </a:r>
+            <a:r>
+              <a:rPr lang="zh-CN" altLang="en-US" dirty="0" smtClean="0">
+                <a:latin typeface="Arial" charset="0"/>
+              </a:rPr>
+              <a:t>连锁反应。</a:t>
+            </a:r>
+            <a:endParaRPr lang="en-US" altLang="zh-CN" dirty="0" smtClean="0">
+              <a:latin typeface="Arial" charset="0"/>
+            </a:endParaRPr>
+          </a:p>
+          <a:p>
+            <a:r>
+              <a:rPr lang="zh-CN" altLang="en-US" dirty="0" smtClean="0">
+                <a:latin typeface="Arial" charset="0"/>
+              </a:rPr>
+              <a:t>如何关闭这个冒泡呢？  火狐为：</a:t>
+            </a:r>
+            <a:r>
+              <a:rPr lang="en-US" altLang="zh-CN" dirty="0" err="1" smtClean="0">
+                <a:latin typeface="Arial" charset="0"/>
+              </a:rPr>
+              <a:t>e.stopPropagation</a:t>
+            </a:r>
+            <a:r>
+              <a:rPr lang="en-US" altLang="zh-CN" dirty="0" smtClean="0">
+                <a:latin typeface="Arial" charset="0"/>
+              </a:rPr>
+              <a:t>(),IE</a:t>
+            </a:r>
+            <a:r>
+              <a:rPr lang="zh-CN" altLang="en-US" dirty="0" smtClean="0">
+                <a:latin typeface="Arial" charset="0"/>
+              </a:rPr>
+              <a:t>为</a:t>
+            </a:r>
+            <a:r>
+              <a:rPr lang="en-US" altLang="zh-CN" dirty="0" err="1" smtClean="0">
+                <a:latin typeface="Arial" charset="0"/>
+              </a:rPr>
+              <a:t>e.cancelBubble</a:t>
+            </a:r>
+            <a:endParaRPr lang="en-US" altLang="zh-CN" dirty="0" smtClean="0">
               <a:latin typeface="Arial" charset="0"/>
             </a:endParaRPr>
           </a:p>
@@ -2421,7 +2751,7 @@
       </p:grpSpPr>
       <p:sp>
         <p:nvSpPr>
-          <p:cNvPr id="23554" name="幻灯片图像占位符 1"/>
+          <p:cNvPr id="22530" name="幻灯片图像占位符 1"/>
           <p:cNvSpPr>
             <a:spLocks noGrp="1" noRot="1" noChangeAspect="1" noChangeArrowheads="1" noTextEdit="1"/>
           </p:cNvSpPr>
@@ -2433,7 +2763,7 @@
       </p:sp>
       <p:sp>
         <p:nvSpPr>
-          <p:cNvPr id="23555" name="备注占位符 2"/>
+          <p:cNvPr id="22531" name="备注占位符 2"/>
           <p:cNvSpPr>
             <a:spLocks noGrp="1" noChangeArrowheads="1"/>
           </p:cNvSpPr>
@@ -2450,7 +2780,7 @@
           </a:bodyPr>
           <a:lstStyle/>
           <a:p>
-            <a:endParaRPr lang="en-US" altLang="zh-CN" smtClean="0">
+            <a:endParaRPr lang="en-US" altLang="zh-CN" dirty="0" smtClean="0">
               <a:latin typeface="Arial" charset="0"/>
             </a:endParaRPr>
           </a:p>
@@ -2458,7 +2788,7 @@
       </p:sp>
       <p:sp>
         <p:nvSpPr>
-          <p:cNvPr id="23556" name="灯片编号占位符 3"/>
+          <p:cNvPr id="22532" name="灯片编号占位符 3"/>
           <p:cNvSpPr>
             <a:spLocks noGrp="1" noChangeArrowheads="1"/>
           </p:cNvSpPr>
@@ -2600,7 +2930,7 @@
           </a:lstStyle>
           <a:p>
             <a:pPr eaLnBrk="1" hangingPunct="1"/>
-            <a:fld id="{DE35EAA7-C3CA-4978-B6A2-97BDDB6D1801}" type="slidenum">
+            <a:fld id="{5F3C0340-1289-4F38-9D8F-A6B160CBA7C2}" type="slidenum">
               <a:rPr lang="zh-CN" altLang="zh-CN" sz="3200" smtClean="0">
                 <a:ea typeface="宋体" charset="-122"/>
               </a:rPr>
@@ -2614,6 +2944,11 @@
         </p:txBody>
       </p:sp>
     </p:spTree>
+    <p:extLst>
+      <p:ext uri="{BB962C8B-B14F-4D97-AF65-F5344CB8AC3E}">
+        <p14:creationId xmlns:p14="http://schemas.microsoft.com/office/powerpoint/2010/main" val="19293547"/>
+      </p:ext>
+    </p:extLst>
   </p:cSld>
   <p:clrMapOvr>
     <a:masterClrMapping/>
@@ -4121,7 +4456,7 @@
         <p:spPr bwMode="auto">
           <a:xfrm>
             <a:off x="1079500" y="1079500"/>
-            <a:ext cx="10483850" cy="5597525"/>
+            <a:ext cx="5087739" cy="5597525"/>
           </a:xfrm>
           <a:extLst>
             <a:ext uri="{909E8E84-426E-40DD-AFC4-6F175D3DCCD1}">
@@ -4188,7 +4523,11 @@
             </a:r>
             <a:r>
               <a:rPr lang="zh-CN" altLang="en-US" sz="2400" dirty="0" smtClean="0"/>
-              <a:t>对象）的顺序触发。</a:t>
+              <a:t>对象）的顺序</a:t>
+            </a:r>
+            <a:r>
+              <a:rPr lang="zh-CN" altLang="en-US" sz="2400" dirty="0" smtClean="0"/>
+              <a:t>触发</a:t>
             </a:r>
             <a:endParaRPr lang="en-US" altLang="zh-CN" sz="2400" dirty="0" smtClean="0"/>
           </a:p>
@@ -4210,6 +4549,357 @@
               <a:t>button — div — body — html — document</a:t>
             </a:r>
           </a:p>
+          <a:p>
+            <a:pPr lvl="1">
+              <a:lnSpc>
+                <a:spcPts val="5063"/>
+              </a:lnSpc>
+              <a:buFont typeface="Arial" panose="020B0604020202020204" pitchFamily="34" charset="0"/>
+              <a:buChar char="–"/>
+              <a:defRPr/>
+            </a:pPr>
+            <a:endParaRPr lang="en-US" altLang="zh-CN" sz="2600" dirty="0" smtClean="0"/>
+          </a:p>
+        </p:txBody>
+      </p:sp>
+      <p:pic>
+        <p:nvPicPr>
+          <p:cNvPr id="2" name="图片 1"/>
+          <p:cNvPicPr>
+            <a:picLocks noChangeAspect="1"/>
+          </p:cNvPicPr>
+          <p:nvPr/>
+        </p:nvPicPr>
+        <p:blipFill>
+          <a:blip r:embed="rId3">
+            <a:extLst>
+              <a:ext uri="{28A0092B-C50C-407E-A947-70E740481C1C}">
+                <a14:useLocalDpi xmlns:a14="http://schemas.microsoft.com/office/drawing/2010/main" val="0"/>
+              </a:ext>
+            </a:extLst>
+          </a:blip>
+          <a:stretch>
+            <a:fillRect/>
+          </a:stretch>
+        </p:blipFill>
+        <p:spPr>
+          <a:xfrm>
+            <a:off x="6344737" y="1357518"/>
+            <a:ext cx="5817660" cy="4594019"/>
+          </a:xfrm>
+          <a:prstGeom prst="rect">
+            <a:avLst/>
+          </a:prstGeom>
+        </p:spPr>
+      </p:pic>
+      <p:sp>
+        <p:nvSpPr>
+          <p:cNvPr id="3" name="文本框 2"/>
+          <p:cNvSpPr txBox="1"/>
+          <p:nvPr/>
+        </p:nvSpPr>
+        <p:spPr>
+          <a:xfrm>
+            <a:off x="7103668" y="5374685"/>
+            <a:ext cx="648297" cy="754053"/>
+          </a:xfrm>
+          <a:prstGeom prst="rect">
+            <a:avLst/>
+          </a:prstGeom>
+          <a:solidFill>
+            <a:schemeClr val="bg1"/>
+          </a:solidFill>
+        </p:spPr>
+        <p:txBody>
+          <a:bodyPr wrap="square" rtlCol="0">
+            <a:spAutoFit/>
+          </a:bodyPr>
+          <a:lstStyle/>
+          <a:p>
+            <a:endParaRPr lang="zh-CN" altLang="en-US" dirty="0"/>
+          </a:p>
+        </p:txBody>
+      </p:sp>
+    </p:spTree>
+  </p:cSld>
+  <p:clrMapOvr>
+    <a:masterClrMapping/>
+  </p:clrMapOvr>
+  <p:timing>
+    <p:tnLst>
+      <p:par>
+        <p:cTn id="1" dur="indefinite" restart="never" nodeType="tmRoot"/>
+      </p:par>
+    </p:tnLst>
+  </p:timing>
+</p:sld>
+</file>
+
+<file path=ppt/slides/slide11.xml><?xml version="1.0" encoding="utf-8"?>
+<p:sld xmlns:a="http://schemas.openxmlformats.org/drawingml/2006/main" xmlns:r="http://schemas.openxmlformats.org/officeDocument/2006/relationships" xmlns:p="http://schemas.openxmlformats.org/presentationml/2006/main">
+  <p:cSld>
+    <p:spTree>
+      <p:nvGrpSpPr>
+        <p:cNvPr id="1" name=""/>
+        <p:cNvGrpSpPr/>
+        <p:nvPr/>
+      </p:nvGrpSpPr>
+      <p:grpSpPr>
+        <a:xfrm>
+          <a:off x="0" y="0"/>
+          <a:ext cx="0" cy="0"/>
+          <a:chOff x="0" y="0"/>
+          <a:chExt cx="0" cy="0"/>
+        </a:xfrm>
+      </p:grpSpPr>
+      <p:sp>
+        <p:nvSpPr>
+          <p:cNvPr id="11266" name="文本框 4"/>
+          <p:cNvSpPr txBox="1">
+            <a:spLocks noChangeArrowheads="1"/>
+          </p:cNvSpPr>
+          <p:nvPr/>
+        </p:nvSpPr>
+        <p:spPr bwMode="auto">
+          <a:xfrm>
+            <a:off x="549275" y="5951538"/>
+            <a:ext cx="4610100" cy="754062"/>
+          </a:xfrm>
+          <a:prstGeom prst="rect">
+            <a:avLst/>
+          </a:prstGeom>
+          <a:solidFill>
+            <a:schemeClr val="bg1"/>
+          </a:solidFill>
+          <a:ln>
+            <a:noFill/>
+          </a:ln>
+          <a:extLst>
+            <a:ext uri="{91240B29-F687-4F45-9708-019B960494DF}">
+              <a14:hiddenLine xmlns:a14="http://schemas.microsoft.com/office/drawing/2010/main" w="9525">
+                <a:solidFill>
+                  <a:srgbClr val="000000"/>
+                </a:solidFill>
+                <a:miter lim="800000"/>
+                <a:headEnd/>
+                <a:tailEnd/>
+              </a14:hiddenLine>
+            </a:ext>
+          </a:extLst>
+        </p:spPr>
+        <p:txBody>
+          <a:bodyPr>
+            <a:spAutoFit/>
+          </a:bodyPr>
+          <a:lstStyle>
+            <a:lvl1pPr>
+              <a:defRPr sz="4300">
+                <a:solidFill>
+                  <a:schemeClr val="tx1"/>
+                </a:solidFill>
+                <a:latin typeface="Arial" charset="0"/>
+                <a:ea typeface="微软雅黑" pitchFamily="34" charset="-122"/>
+              </a:defRPr>
+            </a:lvl1pPr>
+            <a:lvl2pPr marL="742950" indent="-285750">
+              <a:defRPr sz="4300">
+                <a:solidFill>
+                  <a:schemeClr val="tx1"/>
+                </a:solidFill>
+                <a:latin typeface="Arial" charset="0"/>
+                <a:ea typeface="微软雅黑" pitchFamily="34" charset="-122"/>
+              </a:defRPr>
+            </a:lvl2pPr>
+            <a:lvl3pPr marL="1143000" indent="-228600">
+              <a:defRPr sz="4300">
+                <a:solidFill>
+                  <a:schemeClr val="tx1"/>
+                </a:solidFill>
+                <a:latin typeface="Arial" charset="0"/>
+                <a:ea typeface="微软雅黑" pitchFamily="34" charset="-122"/>
+              </a:defRPr>
+            </a:lvl3pPr>
+            <a:lvl4pPr marL="1600200" indent="-228600">
+              <a:defRPr sz="4300">
+                <a:solidFill>
+                  <a:schemeClr val="tx1"/>
+                </a:solidFill>
+                <a:latin typeface="Arial" charset="0"/>
+                <a:ea typeface="微软雅黑" pitchFamily="34" charset="-122"/>
+              </a:defRPr>
+            </a:lvl4pPr>
+            <a:lvl5pPr marL="2057400" indent="-228600">
+              <a:defRPr sz="4300">
+                <a:solidFill>
+                  <a:schemeClr val="tx1"/>
+                </a:solidFill>
+                <a:latin typeface="Arial" charset="0"/>
+                <a:ea typeface="微软雅黑" pitchFamily="34" charset="-122"/>
+              </a:defRPr>
+            </a:lvl5pPr>
+            <a:lvl6pPr marL="2514600" indent="-228600" eaLnBrk="0" fontAlgn="base" hangingPunct="0">
+              <a:spcBef>
+                <a:spcPct val="0"/>
+              </a:spcBef>
+              <a:spcAft>
+                <a:spcPct val="0"/>
+              </a:spcAft>
+              <a:defRPr sz="4300">
+                <a:solidFill>
+                  <a:schemeClr val="tx1"/>
+                </a:solidFill>
+                <a:latin typeface="Arial" charset="0"/>
+                <a:ea typeface="微软雅黑" pitchFamily="34" charset="-122"/>
+              </a:defRPr>
+            </a:lvl6pPr>
+            <a:lvl7pPr marL="2971800" indent="-228600" eaLnBrk="0" fontAlgn="base" hangingPunct="0">
+              <a:spcBef>
+                <a:spcPct val="0"/>
+              </a:spcBef>
+              <a:spcAft>
+                <a:spcPct val="0"/>
+              </a:spcAft>
+              <a:defRPr sz="4300">
+                <a:solidFill>
+                  <a:schemeClr val="tx1"/>
+                </a:solidFill>
+                <a:latin typeface="Arial" charset="0"/>
+                <a:ea typeface="微软雅黑" pitchFamily="34" charset="-122"/>
+              </a:defRPr>
+            </a:lvl7pPr>
+            <a:lvl8pPr marL="3429000" indent="-228600" eaLnBrk="0" fontAlgn="base" hangingPunct="0">
+              <a:spcBef>
+                <a:spcPct val="0"/>
+              </a:spcBef>
+              <a:spcAft>
+                <a:spcPct val="0"/>
+              </a:spcAft>
+              <a:defRPr sz="4300">
+                <a:solidFill>
+                  <a:schemeClr val="tx1"/>
+                </a:solidFill>
+                <a:latin typeface="Arial" charset="0"/>
+                <a:ea typeface="微软雅黑" pitchFamily="34" charset="-122"/>
+              </a:defRPr>
+            </a:lvl8pPr>
+            <a:lvl9pPr marL="3886200" indent="-228600" eaLnBrk="0" fontAlgn="base" hangingPunct="0">
+              <a:spcBef>
+                <a:spcPct val="0"/>
+              </a:spcBef>
+              <a:spcAft>
+                <a:spcPct val="0"/>
+              </a:spcAft>
+              <a:defRPr sz="4300">
+                <a:solidFill>
+                  <a:schemeClr val="tx1"/>
+                </a:solidFill>
+                <a:latin typeface="Arial" charset="0"/>
+                <a:ea typeface="微软雅黑" pitchFamily="34" charset="-122"/>
+              </a:defRPr>
+            </a:lvl9pPr>
+          </a:lstStyle>
+          <a:p>
+            <a:pPr eaLnBrk="1" hangingPunct="1">
+              <a:buFont typeface="Arial" charset="0"/>
+              <a:buNone/>
+            </a:pPr>
+            <a:endParaRPr lang="zh-CN" altLang="en-US"/>
+          </a:p>
+        </p:txBody>
+      </p:sp>
+      <p:sp>
+        <p:nvSpPr>
+          <p:cNvPr id="11267" name="内容占位符 2"/>
+          <p:cNvSpPr>
+            <a:spLocks noGrp="1" noChangeArrowheads="1"/>
+          </p:cNvSpPr>
+          <p:nvPr>
+            <p:ph sz="quarter" idx="11"/>
+          </p:nvPr>
+        </p:nvSpPr>
+        <p:spPr bwMode="auto">
+          <a:xfrm>
+            <a:off x="1090613" y="236538"/>
+            <a:ext cx="8189912" cy="492125"/>
+          </a:xfrm>
+          <a:noFill/>
+          <a:extLst>
+            <a:ext uri="{909E8E84-426E-40DD-AFC4-6F175D3DCCD1}">
+              <a14:hiddenFill xmlns:a14="http://schemas.microsoft.com/office/drawing/2010/main">
+                <a:solidFill>
+                  <a:srgbClr val="FFFFFF"/>
+                </a:solidFill>
+              </a14:hiddenFill>
+            </a:ext>
+            <a:ext uri="{91240B29-F687-4F45-9708-019B960494DF}">
+              <a14:hiddenLine xmlns:a14="http://schemas.microsoft.com/office/drawing/2010/main" w="9525">
+                <a:solidFill>
+                  <a:srgbClr val="000000"/>
+                </a:solidFill>
+                <a:miter lim="800000"/>
+                <a:headEnd/>
+                <a:tailEnd/>
+              </a14:hiddenLine>
+            </a:ext>
+          </a:extLst>
+        </p:spPr>
+        <p:txBody>
+          <a:bodyPr vert="horz" wrap="square" numCol="1" anchor="t" anchorCtr="0" compatLnSpc="1">
+            <a:prstTxWarp prst="textNoShape">
+              <a:avLst/>
+            </a:prstTxWarp>
+          </a:bodyPr>
+          <a:lstStyle/>
+          <a:p>
+            <a:r>
+              <a:rPr lang="zh-CN" altLang="en-US" sz="3200" smtClean="0"/>
+              <a:t>事件冒泡</a:t>
+            </a:r>
+          </a:p>
+        </p:txBody>
+      </p:sp>
+      <p:sp>
+        <p:nvSpPr>
+          <p:cNvPr id="12291" name="内容占位符 2"/>
+          <p:cNvSpPr>
+            <a:spLocks noGrp="1" noChangeArrowheads="1"/>
+          </p:cNvSpPr>
+          <p:nvPr>
+            <p:ph sz="quarter" idx="10"/>
+          </p:nvPr>
+        </p:nvSpPr>
+        <p:spPr bwMode="auto">
+          <a:xfrm>
+            <a:off x="1079500" y="1079500"/>
+            <a:ext cx="10483850" cy="5597525"/>
+          </a:xfrm>
+          <a:extLst>
+            <a:ext uri="{909E8E84-426E-40DD-AFC4-6F175D3DCCD1}">
+              <a14:hiddenFill xmlns:a14="http://schemas.microsoft.com/office/drawing/2010/main">
+                <a:solidFill>
+                  <a:srgbClr val="FFFFFF"/>
+                </a:solidFill>
+              </a14:hiddenFill>
+            </a:ext>
+            <a:ext uri="{91240B29-F687-4F45-9708-019B960494DF}">
+              <a14:hiddenLine xmlns:a14="http://schemas.microsoft.com/office/drawing/2010/main" w="9525">
+                <a:solidFill>
+                  <a:srgbClr val="000000"/>
+                </a:solidFill>
+                <a:miter lim="800000"/>
+                <a:headEnd/>
+                <a:tailEnd/>
+              </a14:hiddenLine>
+            </a:ext>
+          </a:extLst>
+        </p:spPr>
+        <p:txBody>
+          <a:bodyPr vert="horz" wrap="square" numCol="1" anchor="t" anchorCtr="0" compatLnSpc="1">
+            <a:prstTxWarp prst="textNoShape">
+              <a:avLst/>
+            </a:prstTxWarp>
+          </a:bodyPr>
+          <a:lstStyle/>
           <a:p>
             <a:pPr>
               <a:lnSpc>
@@ -4316,7 +5006,7 @@
         <p:spPr bwMode="auto">
           <a:xfrm>
             <a:off x="8183563" y="5915025"/>
-            <a:ext cx="3090862" cy="615950"/>
+            <a:ext cx="2746900" cy="553994"/>
           </a:xfrm>
           <a:prstGeom prst="rect">
             <a:avLst/>
@@ -4462,22 +5152,27 @@
               <a:buNone/>
             </a:pPr>
             <a:r>
-              <a:rPr lang="en-US" altLang="zh-CN" sz="3200"/>
+              <a:rPr lang="en-US" altLang="zh-CN" sz="2800" dirty="0"/>
               <a:t>demo</a:t>
             </a:r>
             <a:r>
-              <a:rPr lang="zh-CN" altLang="en-US" sz="3200"/>
+              <a:rPr lang="zh-CN" altLang="en-US" sz="2800" dirty="0"/>
               <a:t> </a:t>
             </a:r>
             <a:r>
-              <a:rPr lang="en-US" altLang="zh-CN" sz="3200"/>
+              <a:rPr lang="en-US" altLang="zh-CN" sz="2800" dirty="0"/>
               <a:t>10-4.html</a:t>
             </a:r>
-            <a:endParaRPr lang="zh-CN" altLang="en-US" sz="3200"/>
+            <a:endParaRPr lang="zh-CN" altLang="en-US" sz="2800" dirty="0"/>
           </a:p>
         </p:txBody>
       </p:sp>
     </p:spTree>
+    <p:extLst>
+      <p:ext uri="{BB962C8B-B14F-4D97-AF65-F5344CB8AC3E}">
+        <p14:creationId xmlns:p14="http://schemas.microsoft.com/office/powerpoint/2010/main" val="4292870735"/>
+      </p:ext>
+    </p:extLst>
   </p:cSld>
   <p:clrMapOvr>
     <a:masterClrMapping/>
@@ -4518,7 +5213,7 @@
                                         <p:tgtEl>
                                           <p:spTgt spid="12291">
                                             <p:txEl>
-                                              <p:pRg st="3" end="3"/>
+                                              <p:pRg st="0" end="0"/>
                                             </p:txEl>
                                           </p:spTgt>
                                         </p:tgtEl>
@@ -4536,7 +5231,7 @@
                                         <p:tgtEl>
                                           <p:spTgt spid="12291">
                                             <p:txEl>
-                                              <p:pRg st="3" end="3"/>
+                                              <p:pRg st="0" end="0"/>
                                             </p:txEl>
                                           </p:spTgt>
                                         </p:tgtEl>
@@ -4563,7 +5258,7 @@
                                         <p:tgtEl>
                                           <p:spTgt spid="12291">
                                             <p:txEl>
-                                              <p:pRg st="3" end="3"/>
+                                              <p:pRg st="0" end="0"/>
                                             </p:txEl>
                                           </p:spTgt>
                                         </p:tgtEl>
@@ -4603,7 +5298,7 @@
                                         <p:tgtEl>
                                           <p:spTgt spid="12291">
                                             <p:txEl>
-                                              <p:pRg st="4" end="4"/>
+                                              <p:pRg st="1" end="1"/>
                                             </p:txEl>
                                           </p:spTgt>
                                         </p:tgtEl>
@@ -4621,7 +5316,7 @@
                                         <p:tgtEl>
                                           <p:spTgt spid="12291">
                                             <p:txEl>
-                                              <p:pRg st="4" end="4"/>
+                                              <p:pRg st="1" end="1"/>
                                             </p:txEl>
                                           </p:spTgt>
                                         </p:tgtEl>
@@ -4648,7 +5343,7 @@
                                         <p:tgtEl>
                                           <p:spTgt spid="12291">
                                             <p:txEl>
-                                              <p:pRg st="4" end="4"/>
+                                              <p:pRg st="1" end="1"/>
                                             </p:txEl>
                                           </p:spTgt>
                                         </p:tgtEl>
@@ -4688,7 +5383,7 @@
                                         <p:tgtEl>
                                           <p:spTgt spid="12291">
                                             <p:txEl>
-                                              <p:pRg st="5" end="5"/>
+                                              <p:pRg st="2" end="2"/>
                                             </p:txEl>
                                           </p:spTgt>
                                         </p:tgtEl>
@@ -4706,7 +5401,7 @@
                                         <p:tgtEl>
                                           <p:spTgt spid="12291">
                                             <p:txEl>
-                                              <p:pRg st="5" end="5"/>
+                                              <p:pRg st="2" end="2"/>
                                             </p:txEl>
                                           </p:spTgt>
                                         </p:tgtEl>
@@ -4733,7 +5428,7 @@
                                         <p:tgtEl>
                                           <p:spTgt spid="12291">
                                             <p:txEl>
-                                              <p:pRg st="5" end="5"/>
+                                              <p:pRg st="2" end="2"/>
                                             </p:txEl>
                                           </p:spTgt>
                                         </p:tgtEl>
@@ -4773,7 +5468,7 @@
                                         <p:tgtEl>
                                           <p:spTgt spid="12291">
                                             <p:txEl>
-                                              <p:pRg st="6" end="6"/>
+                                              <p:pRg st="3" end="3"/>
                                             </p:txEl>
                                           </p:spTgt>
                                         </p:tgtEl>
@@ -4791,7 +5486,7 @@
                                         <p:tgtEl>
                                           <p:spTgt spid="12291">
                                             <p:txEl>
-                                              <p:pRg st="6" end="6"/>
+                                              <p:pRg st="3" end="3"/>
                                             </p:txEl>
                                           </p:spTgt>
                                         </p:tgtEl>
@@ -4818,7 +5513,7 @@
                                         <p:tgtEl>
                                           <p:spTgt spid="12291">
                                             <p:txEl>
-                                              <p:pRg st="6" end="6"/>
+                                              <p:pRg st="3" end="3"/>
                                             </p:txEl>
                                           </p:spTgt>
                                         </p:tgtEl>
@@ -4967,7 +5662,7 @@
 </p:sld>
 </file>
 
-<file path=ppt/slides/slide11.xml><?xml version="1.0" encoding="utf-8"?>
+<file path=ppt/slides/slide12.xml><?xml version="1.0" encoding="utf-8"?>
 <p:sld xmlns:a="http://schemas.openxmlformats.org/drawingml/2006/main" xmlns:r="http://schemas.openxmlformats.org/officeDocument/2006/relationships" xmlns:p="http://schemas.openxmlformats.org/presentationml/2006/main">
   <p:cSld>
     <p:spTree>
@@ -5085,10 +5780,10 @@
               </a:lnSpc>
             </a:pPr>
             <a:r>
-              <a:rPr lang="zh-CN" altLang="en-US" sz="2800" smtClean="0"/>
+              <a:rPr lang="zh-CN" altLang="en-US" sz="2800" dirty="0" smtClean="0"/>
               <a:t>事件对象是什么？</a:t>
             </a:r>
-            <a:endParaRPr lang="en-US" altLang="zh-CN" sz="2800" smtClean="0"/>
+            <a:endParaRPr lang="en-US" altLang="zh-CN" sz="2800" dirty="0" smtClean="0"/>
           </a:p>
           <a:p>
             <a:pPr>
@@ -5097,10 +5792,10 @@
               </a:lnSpc>
             </a:pPr>
             <a:r>
-              <a:rPr lang="zh-CN" altLang="en-US" sz="2800" smtClean="0"/>
+              <a:rPr lang="zh-CN" altLang="en-US" sz="2800" dirty="0" smtClean="0"/>
               <a:t>事件对象能够做什么？</a:t>
             </a:r>
-            <a:endParaRPr lang="en-US" altLang="zh-CN" sz="2800" smtClean="0"/>
+            <a:endParaRPr lang="en-US" altLang="zh-CN" sz="2800" dirty="0" smtClean="0"/>
           </a:p>
           <a:p>
             <a:pPr lvl="1">
@@ -5109,10 +5804,10 @@
               </a:lnSpc>
             </a:pPr>
             <a:r>
-              <a:rPr lang="zh-CN" altLang="en-US" sz="2400" smtClean="0"/>
+              <a:rPr lang="zh-CN" altLang="en-US" sz="2600" dirty="0" smtClean="0"/>
               <a:t>属性</a:t>
             </a:r>
-            <a:endParaRPr lang="en-US" altLang="zh-CN" sz="2400" smtClean="0"/>
+            <a:endParaRPr lang="en-US" altLang="zh-CN" sz="2600" dirty="0" smtClean="0"/>
           </a:p>
           <a:p>
             <a:pPr lvl="1">
@@ -5121,10 +5816,10 @@
               </a:lnSpc>
             </a:pPr>
             <a:r>
-              <a:rPr lang="zh-CN" altLang="en-US" sz="2400" smtClean="0"/>
+              <a:rPr lang="zh-CN" altLang="en-US" sz="2600" dirty="0" smtClean="0"/>
               <a:t>方法</a:t>
             </a:r>
-            <a:endParaRPr lang="en-US" altLang="zh-CN" sz="2400" smtClean="0"/>
+            <a:endParaRPr lang="en-US" altLang="zh-CN" sz="2600" dirty="0" smtClean="0"/>
           </a:p>
           <a:p>
             <a:pPr lvl="2">
@@ -5133,10 +5828,10 @@
               </a:lnSpc>
             </a:pPr>
             <a:r>
-              <a:rPr lang="zh-CN" altLang="en-US" sz="2000" smtClean="0"/>
+              <a:rPr lang="zh-CN" altLang="en-US" sz="2400" dirty="0" smtClean="0"/>
               <a:t>取消默认动作</a:t>
             </a:r>
-            <a:endParaRPr lang="en-US" altLang="zh-CN" sz="2000" smtClean="0"/>
+            <a:endParaRPr lang="en-US" altLang="zh-CN" sz="2400" dirty="0" smtClean="0"/>
           </a:p>
           <a:p>
             <a:pPr lvl="2">
@@ -5145,10 +5840,10 @@
               </a:lnSpc>
             </a:pPr>
             <a:r>
-              <a:rPr lang="zh-CN" altLang="en-US" sz="2000" smtClean="0"/>
+              <a:rPr lang="zh-CN" altLang="en-US" sz="2400" dirty="0" smtClean="0"/>
               <a:t>不再派发事件</a:t>
             </a:r>
-            <a:endParaRPr lang="en-US" altLang="zh-CN" sz="2000" smtClean="0"/>
+            <a:endParaRPr lang="en-US" altLang="zh-CN" sz="2400" dirty="0" smtClean="0"/>
           </a:p>
         </p:txBody>
       </p:sp>
@@ -5167,7 +5862,7 @@
 </p:sld>
 </file>
 
-<file path=ppt/slides/slide12.xml><?xml version="1.0" encoding="utf-8"?>
+<file path=ppt/slides/slide13.xml><?xml version="1.0" encoding="utf-8"?>
 <p:sld xmlns:a="http://schemas.openxmlformats.org/drawingml/2006/main" xmlns:r="http://schemas.openxmlformats.org/officeDocument/2006/relationships" xmlns:p="http://schemas.openxmlformats.org/presentationml/2006/main">
   <p:cSld>
     <p:spTree>
@@ -5735,7 +6430,7 @@
               </a:lnSpc>
             </a:pPr>
             <a:r>
-              <a:rPr lang="zh-CN" altLang="en-US" sz="2800" smtClean="0"/>
+              <a:rPr lang="zh-CN" altLang="en-US" sz="2800" dirty="0" smtClean="0"/>
               <a:t>当发生事件时，如何知道：</a:t>
             </a:r>
           </a:p>
@@ -5746,7 +6441,7 @@
               </a:lnSpc>
             </a:pPr>
             <a:r>
-              <a:rPr lang="zh-CN" altLang="en-US" sz="2400" smtClean="0"/>
+              <a:rPr lang="zh-CN" altLang="en-US" sz="2600" dirty="0" smtClean="0"/>
               <a:t>哪个鼠标按钮被点击？</a:t>
             </a:r>
           </a:p>
@@ -5757,7 +6452,7 @@
               </a:lnSpc>
             </a:pPr>
             <a:r>
-              <a:rPr lang="zh-CN" altLang="en-US" sz="2400" smtClean="0"/>
+              <a:rPr lang="zh-CN" altLang="en-US" sz="2600" dirty="0" smtClean="0"/>
               <a:t>哪个键盘按键被按下？</a:t>
             </a:r>
           </a:p>
@@ -5768,7 +6463,7 @@
               </a:lnSpc>
             </a:pPr>
             <a:r>
-              <a:rPr lang="zh-CN" altLang="en-US" sz="2400" smtClean="0"/>
+              <a:rPr lang="zh-CN" altLang="en-US" sz="2600" dirty="0" smtClean="0"/>
               <a:t>发生事件时，光标的坐标是？</a:t>
             </a:r>
           </a:p>
@@ -5779,10 +6474,10 @@
               </a:lnSpc>
             </a:pPr>
             <a:r>
-              <a:rPr lang="is-IS" altLang="zh-CN" sz="2400" smtClean="0"/>
+              <a:rPr lang="is-IS" altLang="zh-CN" sz="2600" dirty="0" smtClean="0"/>
               <a:t>…</a:t>
             </a:r>
-            <a:endParaRPr lang="en-US" altLang="zh-CN" sz="2400" smtClean="0"/>
+            <a:endParaRPr lang="en-US" altLang="zh-CN" sz="2600" dirty="0" smtClean="0"/>
           </a:p>
         </p:txBody>
       </p:sp>
@@ -6070,19 +6765,19 @@
               </a:lnSpc>
             </a:pPr>
             <a:r>
-              <a:rPr lang="zh-CN" altLang="en-US" sz="2800" smtClean="0"/>
+              <a:rPr lang="zh-CN" altLang="en-US" sz="2800" dirty="0" smtClean="0"/>
               <a:t>在触发 </a:t>
             </a:r>
             <a:r>
-              <a:rPr lang="en-US" altLang="zh-CN" sz="2800" smtClean="0"/>
+              <a:rPr lang="en-US" altLang="zh-CN" sz="2800" dirty="0" smtClean="0"/>
               <a:t>DOM </a:t>
             </a:r>
             <a:r>
-              <a:rPr lang="zh-CN" altLang="en-US" sz="2800" smtClean="0"/>
+              <a:rPr lang="zh-CN" altLang="en-US" sz="2800" dirty="0" smtClean="0"/>
               <a:t>上的某个事件时，就会产生一个</a:t>
             </a:r>
             <a:r>
-              <a:rPr lang="zh-CN" altLang="en-US" sz="2800" smtClean="0">
+              <a:rPr lang="zh-CN" altLang="en-US" sz="2800" dirty="0" smtClean="0">
                 <a:solidFill>
                   <a:srgbClr val="FF0000"/>
                 </a:solidFill>
@@ -6090,7 +6785,7 @@
               <a:t>事件对象 </a:t>
             </a:r>
             <a:r>
-              <a:rPr lang="en-US" altLang="zh-CN" sz="2800" smtClean="0">
+              <a:rPr lang="en-US" altLang="zh-CN" sz="2800" dirty="0" smtClean="0">
                 <a:solidFill>
                   <a:srgbClr val="FF0000"/>
                 </a:solidFill>
@@ -6098,10 +6793,10 @@
               <a:t>Event </a:t>
             </a:r>
             <a:r>
-              <a:rPr lang="zh-CN" altLang="en-US" sz="2800" smtClean="0"/>
+              <a:rPr lang="zh-CN" altLang="en-US" sz="2800" dirty="0" smtClean="0"/>
               <a:t>。</a:t>
             </a:r>
-            <a:endParaRPr lang="en-US" altLang="zh-CN" sz="2800" smtClean="0"/>
+            <a:endParaRPr lang="en-US" altLang="zh-CN" sz="2800" dirty="0" smtClean="0"/>
           </a:p>
           <a:p>
             <a:pPr>
@@ -6110,18 +6805,18 @@
               </a:lnSpc>
             </a:pPr>
             <a:r>
-              <a:rPr lang="zh-CN" altLang="en-US" sz="2800" smtClean="0"/>
+              <a:rPr lang="zh-CN" altLang="en-US" sz="2800" dirty="0" smtClean="0"/>
               <a:t>事件对象（</a:t>
             </a:r>
             <a:r>
-              <a:rPr lang="en-US" altLang="zh-CN" sz="2800" smtClean="0"/>
+              <a:rPr lang="en-US" altLang="zh-CN" sz="2800" dirty="0" smtClean="0"/>
               <a:t>Event</a:t>
             </a:r>
             <a:r>
-              <a:rPr lang="zh-CN" altLang="en-US" sz="2800" smtClean="0"/>
+              <a:rPr lang="zh-CN" altLang="en-US" sz="2800" dirty="0" smtClean="0"/>
               <a:t>）包含了事件的状态，比如：事件在其中发生的元素、键盘按键状态、鼠标的位置、鼠标按钮的状态等。</a:t>
             </a:r>
-            <a:endParaRPr lang="en-US" altLang="zh-CN" sz="2800" smtClean="0"/>
+            <a:endParaRPr lang="en-US" altLang="zh-CN" sz="2800" dirty="0" smtClean="0"/>
           </a:p>
           <a:p>
             <a:pPr lvl="1">
@@ -6129,8 +6824,16 @@
                 <a:spcPct val="150000"/>
               </a:lnSpc>
             </a:pPr>
-            <a:r>
-              <a:rPr lang="zh-CN" altLang="en-US" sz="2400" smtClean="0"/>
+            <a:endParaRPr lang="en-US" altLang="zh-CN" sz="2400" dirty="0" smtClean="0"/>
+          </a:p>
+          <a:p>
+            <a:pPr lvl="1">
+              <a:lnSpc>
+                <a:spcPct val="150000"/>
+              </a:lnSpc>
+            </a:pPr>
+            <a:r>
+              <a:rPr lang="zh-CN" altLang="en-US" sz="2600" dirty="0" smtClean="0"/>
               <a:t>例如：鼠标操作导致的事件对象中会包含鼠标位置的信息，而键盘操作导致的事件对象中会包含与按下的键有关的信息。</a:t>
             </a:r>
           </a:p>
@@ -6387,7 +7090,7 @@
         <p:spPr bwMode="auto">
           <a:xfrm>
             <a:off x="1079500" y="1079500"/>
-            <a:ext cx="9713913" cy="4645025"/>
+            <a:ext cx="9769884" cy="4645025"/>
           </a:xfrm>
           <a:noFill/>
           <a:extLst>
@@ -6424,11 +7127,11 @@
               </a:lnSpc>
             </a:pPr>
             <a:r>
-              <a:rPr lang="zh-CN" altLang="en-US" sz="2800" smtClean="0"/>
+              <a:rPr lang="zh-CN" altLang="en-US" sz="2800" dirty="0" smtClean="0"/>
               <a:t>事件在浏览器中是以对象的形式存在的。在事件处理函数执行时，事件对象将会</a:t>
             </a:r>
             <a:r>
-              <a:rPr lang="zh-CN" altLang="en-US" sz="2800" smtClean="0">
+              <a:rPr lang="zh-CN" altLang="en-US" sz="2800" dirty="0" smtClean="0">
                 <a:solidFill>
                   <a:srgbClr val="FF0000"/>
                 </a:solidFill>
@@ -6436,10 +7139,10 @@
               <a:t>由浏览器自动传递给事件处理函数</a:t>
             </a:r>
             <a:r>
-              <a:rPr lang="zh-CN" altLang="en-US" sz="2800" smtClean="0"/>
+              <a:rPr lang="zh-CN" altLang="en-US" sz="2800" dirty="0" smtClean="0"/>
               <a:t>。</a:t>
             </a:r>
-            <a:endParaRPr lang="en-US" altLang="zh-CN" sz="2800" smtClean="0"/>
+            <a:endParaRPr lang="en-US" altLang="zh-CN" sz="2800" dirty="0" smtClean="0"/>
           </a:p>
           <a:p>
             <a:pPr>
@@ -6448,7 +7151,7 @@
               </a:lnSpc>
             </a:pPr>
             <a:r>
-              <a:rPr lang="zh-CN" altLang="en-US" sz="2800" smtClean="0"/>
+              <a:rPr lang="zh-CN" altLang="en-US" sz="2800" dirty="0" smtClean="0"/>
               <a:t>在事件处理函数中，声明形参接收该参数。</a:t>
             </a:r>
           </a:p>
@@ -6459,7 +7162,7 @@
               </a:lnSpc>
             </a:pPr>
             <a:r>
-              <a:rPr lang="zh-CN" altLang="en-US" sz="2400" smtClean="0"/>
+              <a:rPr lang="zh-CN" altLang="en-US" sz="2400" dirty="0" smtClean="0"/>
               <a:t>例：</a:t>
             </a:r>
           </a:p>
@@ -6472,39 +7175,39 @@
               <a:buNone/>
             </a:pPr>
             <a:r>
-              <a:rPr lang="en-US" altLang="zh-CN" sz="2400" smtClean="0"/>
+              <a:rPr lang="en-US" altLang="zh-CN" sz="2400" dirty="0" err="1" smtClean="0"/>
               <a:t>window.onload</a:t>
             </a:r>
             <a:r>
-              <a:rPr lang="zh-CN" altLang="en-US" sz="2400" smtClean="0"/>
+              <a:rPr lang="zh-CN" altLang="en-US" sz="2400" dirty="0" smtClean="0"/>
               <a:t> </a:t>
             </a:r>
             <a:r>
-              <a:rPr lang="en-US" altLang="zh-CN" sz="2400" smtClean="0"/>
+              <a:rPr lang="en-US" altLang="zh-CN" sz="2400" dirty="0" smtClean="0"/>
               <a:t>=</a:t>
             </a:r>
             <a:r>
-              <a:rPr lang="zh-CN" altLang="en-US" sz="2400" smtClean="0"/>
+              <a:rPr lang="zh-CN" altLang="en-US" sz="2400" dirty="0" smtClean="0"/>
               <a:t> </a:t>
             </a:r>
             <a:r>
-              <a:rPr lang="en-US" altLang="zh-CN" sz="2400" smtClean="0"/>
+              <a:rPr lang="en-US" altLang="zh-CN" sz="2400" dirty="0" smtClean="0"/>
               <a:t>function</a:t>
             </a:r>
             <a:r>
-              <a:rPr lang="zh-CN" altLang="en-US" sz="2400" smtClean="0"/>
+              <a:rPr lang="zh-CN" altLang="en-US" sz="2400" dirty="0" smtClean="0"/>
               <a:t> </a:t>
             </a:r>
             <a:r>
-              <a:rPr lang="en-US" altLang="zh-CN" sz="2400" smtClean="0"/>
+              <a:rPr lang="en-US" altLang="zh-CN" sz="2400" dirty="0" smtClean="0"/>
               <a:t>(</a:t>
             </a:r>
             <a:r>
-              <a:rPr lang="zh-CN" altLang="en-US" sz="2400" smtClean="0"/>
+              <a:rPr lang="zh-CN" altLang="en-US" sz="2400" dirty="0" smtClean="0"/>
               <a:t> </a:t>
             </a:r>
             <a:r>
-              <a:rPr lang="en-US" altLang="zh-CN" sz="2400" smtClean="0">
+              <a:rPr lang="en-US" altLang="zh-CN" sz="2400" dirty="0" smtClean="0">
                 <a:solidFill>
                   <a:srgbClr val="FF0000"/>
                 </a:solidFill>
@@ -6512,22 +7215,22 @@
               <a:t>e</a:t>
             </a:r>
             <a:r>
-              <a:rPr lang="zh-CN" altLang="en-US" sz="2400" smtClean="0"/>
+              <a:rPr lang="zh-CN" altLang="en-US" sz="2400" dirty="0" smtClean="0"/>
               <a:t> </a:t>
             </a:r>
             <a:r>
-              <a:rPr lang="en-US" altLang="zh-CN" sz="2400" smtClean="0"/>
+              <a:rPr lang="en-US" altLang="zh-CN" sz="2400" dirty="0" smtClean="0"/>
               <a:t>)</a:t>
             </a:r>
             <a:r>
-              <a:rPr lang="zh-CN" altLang="en-US" sz="2400" smtClean="0"/>
+              <a:rPr lang="zh-CN" altLang="en-US" sz="2400" dirty="0" smtClean="0"/>
               <a:t> </a:t>
             </a:r>
             <a:r>
-              <a:rPr lang="en-US" altLang="zh-CN" sz="2400" smtClean="0"/>
+              <a:rPr lang="en-US" altLang="zh-CN" sz="2400" dirty="0" smtClean="0"/>
               <a:t>{</a:t>
             </a:r>
-            <a:endParaRPr lang="zh-CN" altLang="en-US" sz="2400" smtClean="0"/>
+            <a:endParaRPr lang="zh-CN" altLang="en-US" sz="2400" dirty="0" smtClean="0"/>
           </a:p>
           <a:p>
             <a:pPr lvl="2" indent="-1588">
@@ -6538,19 +7241,19 @@
               <a:buNone/>
             </a:pPr>
             <a:r>
-              <a:rPr lang="zh-CN" altLang="en-US" sz="2400" smtClean="0"/>
+              <a:rPr lang="zh-CN" altLang="en-US" sz="2400" dirty="0" smtClean="0"/>
               <a:t>				      </a:t>
             </a:r>
             <a:r>
-              <a:rPr lang="en-US" altLang="zh-CN" sz="2400" smtClean="0"/>
+              <a:rPr lang="en-US" altLang="zh-CN" sz="2400" dirty="0" smtClean="0"/>
               <a:t>console.log(</a:t>
             </a:r>
             <a:r>
-              <a:rPr lang="zh-CN" altLang="en-US" sz="2400" smtClean="0"/>
+              <a:rPr lang="zh-CN" altLang="en-US" sz="2400" dirty="0" smtClean="0"/>
               <a:t> </a:t>
             </a:r>
             <a:r>
-              <a:rPr lang="en-US" altLang="zh-CN" sz="2400" smtClean="0">
+              <a:rPr lang="en-US" altLang="zh-CN" sz="2400" dirty="0" smtClean="0">
                 <a:solidFill>
                   <a:srgbClr val="FF0000"/>
                 </a:solidFill>
@@ -6558,14 +7261,14 @@
               <a:t>e</a:t>
             </a:r>
             <a:r>
-              <a:rPr lang="zh-CN" altLang="en-US" sz="2400" smtClean="0"/>
+              <a:rPr lang="zh-CN" altLang="en-US" sz="2400" dirty="0" smtClean="0"/>
               <a:t> </a:t>
             </a:r>
             <a:r>
-              <a:rPr lang="en-US" altLang="zh-CN" sz="2400" smtClean="0"/>
+              <a:rPr lang="en-US" altLang="zh-CN" sz="2400" dirty="0" smtClean="0"/>
               <a:t>);</a:t>
             </a:r>
-            <a:endParaRPr lang="zh-CN" altLang="en-US" sz="2400" smtClean="0"/>
+            <a:endParaRPr lang="zh-CN" altLang="en-US" sz="2400" dirty="0" smtClean="0"/>
           </a:p>
           <a:p>
             <a:pPr lvl="2" indent="-1588">
@@ -6576,10 +7279,10 @@
               <a:buNone/>
             </a:pPr>
             <a:r>
-              <a:rPr lang="en-US" altLang="zh-CN" sz="2400" smtClean="0"/>
+              <a:rPr lang="en-US" altLang="zh-CN" sz="2400" dirty="0" smtClean="0"/>
               <a:t>}</a:t>
             </a:r>
-            <a:endParaRPr lang="zh-CN" altLang="en-US" sz="2400" smtClean="0"/>
+            <a:endParaRPr lang="zh-CN" altLang="en-US" sz="2400" dirty="0" smtClean="0"/>
           </a:p>
         </p:txBody>
       </p:sp>
@@ -6645,7 +7348,7 @@
         <p:spPr bwMode="auto">
           <a:xfrm>
             <a:off x="8093075" y="5805488"/>
-            <a:ext cx="3090863" cy="615950"/>
+            <a:ext cx="2746900" cy="553994"/>
           </a:xfrm>
           <a:prstGeom prst="rect">
             <a:avLst/>
@@ -6791,18 +7494,18 @@
               <a:buNone/>
             </a:pPr>
             <a:r>
-              <a:rPr lang="en-US" altLang="zh-CN" sz="3200"/>
+              <a:rPr lang="en-US" altLang="zh-CN" sz="2800" dirty="0"/>
               <a:t>demo</a:t>
             </a:r>
             <a:r>
-              <a:rPr lang="zh-CN" altLang="en-US" sz="3200"/>
+              <a:rPr lang="zh-CN" altLang="en-US" sz="2800" dirty="0"/>
               <a:t> </a:t>
             </a:r>
             <a:r>
-              <a:rPr lang="en-US" altLang="zh-CN" sz="3200"/>
+              <a:rPr lang="en-US" altLang="zh-CN" sz="2800" dirty="0"/>
               <a:t>10-1.html</a:t>
             </a:r>
-            <a:endParaRPr lang="zh-CN" altLang="en-US" sz="3200"/>
+            <a:endParaRPr lang="zh-CN" altLang="en-US" sz="2800" dirty="0"/>
           </a:p>
         </p:txBody>
       </p:sp>
@@ -6814,7 +7517,263 @@
   <p:timing>
     <p:tnLst>
       <p:par>
-        <p:cTn id="1" dur="indefinite" restart="never" nodeType="tmRoot"/>
+        <p:cTn id="1" dur="indefinite" restart="never" nodeType="tmRoot">
+          <p:childTnLst>
+            <p:seq concurrent="1" nextAc="seek">
+              <p:cTn id="2" dur="indefinite" nodeType="mainSeq">
+                <p:childTnLst>
+                  <p:par>
+                    <p:cTn id="3" fill="hold">
+                      <p:stCondLst>
+                        <p:cond delay="indefinite"/>
+                      </p:stCondLst>
+                      <p:childTnLst>
+                        <p:par>
+                          <p:cTn id="4" fill="hold">
+                            <p:stCondLst>
+                              <p:cond delay="0"/>
+                            </p:stCondLst>
+                            <p:childTnLst>
+                              <p:par>
+                                <p:cTn id="5" presetID="10" presetClass="entr" presetSubtype="0" fill="hold" nodeType="clickEffect">
+                                  <p:stCondLst>
+                                    <p:cond delay="0"/>
+                                  </p:stCondLst>
+                                  <p:childTnLst>
+                                    <p:set>
+                                      <p:cBhvr>
+                                        <p:cTn id="6" dur="1" fill="hold">
+                                          <p:stCondLst>
+                                            <p:cond delay="0"/>
+                                          </p:stCondLst>
+                                        </p:cTn>
+                                        <p:tgtEl>
+                                          <p:spTgt spid="6147">
+                                            <p:txEl>
+                                              <p:pRg st="1" end="1"/>
+                                            </p:txEl>
+                                          </p:spTgt>
+                                        </p:tgtEl>
+                                        <p:attrNameLst>
+                                          <p:attrName>style.visibility</p:attrName>
+                                        </p:attrNameLst>
+                                      </p:cBhvr>
+                                      <p:to>
+                                        <p:strVal val="visible"/>
+                                      </p:to>
+                                    </p:set>
+                                    <p:animEffect transition="in" filter="fade">
+                                      <p:cBhvr>
+                                        <p:cTn id="7" dur="500"/>
+                                        <p:tgtEl>
+                                          <p:spTgt spid="6147">
+                                            <p:txEl>
+                                              <p:pRg st="1" end="1"/>
+                                            </p:txEl>
+                                          </p:spTgt>
+                                        </p:tgtEl>
+                                      </p:cBhvr>
+                                    </p:animEffect>
+                                  </p:childTnLst>
+                                </p:cTn>
+                              </p:par>
+                              <p:par>
+                                <p:cTn id="8" presetID="10" presetClass="entr" presetSubtype="0" fill="hold" nodeType="withEffect">
+                                  <p:stCondLst>
+                                    <p:cond delay="0"/>
+                                  </p:stCondLst>
+                                  <p:childTnLst>
+                                    <p:set>
+                                      <p:cBhvr>
+                                        <p:cTn id="9" dur="1" fill="hold">
+                                          <p:stCondLst>
+                                            <p:cond delay="0"/>
+                                          </p:stCondLst>
+                                        </p:cTn>
+                                        <p:tgtEl>
+                                          <p:spTgt spid="6147">
+                                            <p:txEl>
+                                              <p:pRg st="2" end="2"/>
+                                            </p:txEl>
+                                          </p:spTgt>
+                                        </p:tgtEl>
+                                        <p:attrNameLst>
+                                          <p:attrName>style.visibility</p:attrName>
+                                        </p:attrNameLst>
+                                      </p:cBhvr>
+                                      <p:to>
+                                        <p:strVal val="visible"/>
+                                      </p:to>
+                                    </p:set>
+                                    <p:animEffect transition="in" filter="fade">
+                                      <p:cBhvr>
+                                        <p:cTn id="10" dur="500"/>
+                                        <p:tgtEl>
+                                          <p:spTgt spid="6147">
+                                            <p:txEl>
+                                              <p:pRg st="2" end="2"/>
+                                            </p:txEl>
+                                          </p:spTgt>
+                                        </p:tgtEl>
+                                      </p:cBhvr>
+                                    </p:animEffect>
+                                  </p:childTnLst>
+                                </p:cTn>
+                              </p:par>
+                              <p:par>
+                                <p:cTn id="11" presetID="10" presetClass="entr" presetSubtype="0" fill="hold" nodeType="withEffect">
+                                  <p:stCondLst>
+                                    <p:cond delay="0"/>
+                                  </p:stCondLst>
+                                  <p:childTnLst>
+                                    <p:set>
+                                      <p:cBhvr>
+                                        <p:cTn id="12" dur="1" fill="hold">
+                                          <p:stCondLst>
+                                            <p:cond delay="0"/>
+                                          </p:stCondLst>
+                                        </p:cTn>
+                                        <p:tgtEl>
+                                          <p:spTgt spid="6147">
+                                            <p:txEl>
+                                              <p:pRg st="3" end="3"/>
+                                            </p:txEl>
+                                          </p:spTgt>
+                                        </p:tgtEl>
+                                        <p:attrNameLst>
+                                          <p:attrName>style.visibility</p:attrName>
+                                        </p:attrNameLst>
+                                      </p:cBhvr>
+                                      <p:to>
+                                        <p:strVal val="visible"/>
+                                      </p:to>
+                                    </p:set>
+                                    <p:animEffect transition="in" filter="fade">
+                                      <p:cBhvr>
+                                        <p:cTn id="13" dur="500"/>
+                                        <p:tgtEl>
+                                          <p:spTgt spid="6147">
+                                            <p:txEl>
+                                              <p:pRg st="3" end="3"/>
+                                            </p:txEl>
+                                          </p:spTgt>
+                                        </p:tgtEl>
+                                      </p:cBhvr>
+                                    </p:animEffect>
+                                  </p:childTnLst>
+                                </p:cTn>
+                              </p:par>
+                              <p:par>
+                                <p:cTn id="14" presetID="10" presetClass="entr" presetSubtype="0" fill="hold" nodeType="withEffect">
+                                  <p:stCondLst>
+                                    <p:cond delay="0"/>
+                                  </p:stCondLst>
+                                  <p:childTnLst>
+                                    <p:set>
+                                      <p:cBhvr>
+                                        <p:cTn id="15" dur="1" fill="hold">
+                                          <p:stCondLst>
+                                            <p:cond delay="0"/>
+                                          </p:stCondLst>
+                                        </p:cTn>
+                                        <p:tgtEl>
+                                          <p:spTgt spid="6147">
+                                            <p:txEl>
+                                              <p:pRg st="4" end="4"/>
+                                            </p:txEl>
+                                          </p:spTgt>
+                                        </p:tgtEl>
+                                        <p:attrNameLst>
+                                          <p:attrName>style.visibility</p:attrName>
+                                        </p:attrNameLst>
+                                      </p:cBhvr>
+                                      <p:to>
+                                        <p:strVal val="visible"/>
+                                      </p:to>
+                                    </p:set>
+                                    <p:animEffect transition="in" filter="fade">
+                                      <p:cBhvr>
+                                        <p:cTn id="16" dur="500"/>
+                                        <p:tgtEl>
+                                          <p:spTgt spid="6147">
+                                            <p:txEl>
+                                              <p:pRg st="4" end="4"/>
+                                            </p:txEl>
+                                          </p:spTgt>
+                                        </p:tgtEl>
+                                      </p:cBhvr>
+                                    </p:animEffect>
+                                  </p:childTnLst>
+                                </p:cTn>
+                              </p:par>
+                              <p:par>
+                                <p:cTn id="17" presetID="10" presetClass="entr" presetSubtype="0" fill="hold" nodeType="withEffect">
+                                  <p:stCondLst>
+                                    <p:cond delay="0"/>
+                                  </p:stCondLst>
+                                  <p:childTnLst>
+                                    <p:set>
+                                      <p:cBhvr>
+                                        <p:cTn id="18" dur="1" fill="hold">
+                                          <p:stCondLst>
+                                            <p:cond delay="0"/>
+                                          </p:stCondLst>
+                                        </p:cTn>
+                                        <p:tgtEl>
+                                          <p:spTgt spid="6147">
+                                            <p:txEl>
+                                              <p:pRg st="5" end="5"/>
+                                            </p:txEl>
+                                          </p:spTgt>
+                                        </p:tgtEl>
+                                        <p:attrNameLst>
+                                          <p:attrName>style.visibility</p:attrName>
+                                        </p:attrNameLst>
+                                      </p:cBhvr>
+                                      <p:to>
+                                        <p:strVal val="visible"/>
+                                      </p:to>
+                                    </p:set>
+                                    <p:animEffect transition="in" filter="fade">
+                                      <p:cBhvr>
+                                        <p:cTn id="19" dur="500"/>
+                                        <p:tgtEl>
+                                          <p:spTgt spid="6147">
+                                            <p:txEl>
+                                              <p:pRg st="5" end="5"/>
+                                            </p:txEl>
+                                          </p:spTgt>
+                                        </p:tgtEl>
+                                      </p:cBhvr>
+                                    </p:animEffect>
+                                  </p:childTnLst>
+                                </p:cTn>
+                              </p:par>
+                            </p:childTnLst>
+                          </p:cTn>
+                        </p:par>
+                      </p:childTnLst>
+                    </p:cTn>
+                  </p:par>
+                </p:childTnLst>
+              </p:cTn>
+              <p:prevCondLst>
+                <p:cond evt="onPrev" delay="0">
+                  <p:tgtEl>
+                    <p:sldTgt/>
+                  </p:tgtEl>
+                </p:cond>
+              </p:prevCondLst>
+              <p:nextCondLst>
+                <p:cond evt="onNext" delay="0">
+                  <p:tgtEl>
+                    <p:sldTgt/>
+                  </p:tgtEl>
+                </p:cond>
+              </p:nextCondLst>
+            </p:seq>
+          </p:childTnLst>
+        </p:cTn>
       </p:par>
     </p:tnLst>
   </p:timing>
@@ -7599,7 +8558,7 @@
         <p:spPr bwMode="auto">
           <a:xfrm>
             <a:off x="1079500" y="1079500"/>
-            <a:ext cx="11282363" cy="4367213"/>
+            <a:ext cx="10994445" cy="4367213"/>
           </a:xfrm>
           <a:noFill/>
           <a:extLst>
@@ -7632,97 +8591,117 @@
           <a:p>
             <a:pPr>
               <a:lnSpc>
-                <a:spcPct val="150000"/>
+                <a:spcPts val="4000"/>
               </a:lnSpc>
             </a:pPr>
             <a:r>
-              <a:rPr kumimoji="1" lang="en-US" altLang="zh-CN" sz="2800" smtClean="0"/>
+              <a:rPr kumimoji="1" lang="en-US" altLang="zh-CN" sz="2600" dirty="0" smtClean="0"/>
               <a:t>button</a:t>
             </a:r>
             <a:r>
-              <a:rPr kumimoji="1" lang="zh-CN" altLang="en-US" sz="2800" smtClean="0"/>
+              <a:rPr kumimoji="1" lang="zh-CN" altLang="en-US" sz="2600" dirty="0" smtClean="0"/>
               <a:t>：返回当事件被触发时，哪个鼠标按钮被点击。</a:t>
             </a:r>
           </a:p>
           <a:p>
             <a:pPr>
               <a:lnSpc>
-                <a:spcPct val="150000"/>
+                <a:spcPts val="4000"/>
               </a:lnSpc>
             </a:pPr>
             <a:r>
-              <a:rPr kumimoji="1" lang="en-US" altLang="zh-CN" sz="2800" smtClean="0"/>
+              <a:rPr kumimoji="1" lang="en-US" altLang="zh-CN" sz="2600" dirty="0" err="1" smtClean="0"/>
               <a:t>clientX</a:t>
             </a:r>
             <a:r>
-              <a:rPr kumimoji="1" lang="zh-CN" altLang="en-US" sz="2800" smtClean="0"/>
-              <a:t>：返回当事件被触发时，鼠标指针相对于浏览器的水平坐标。</a:t>
+              <a:rPr kumimoji="1" lang="zh-CN" altLang="en-US" sz="2600" dirty="0" smtClean="0"/>
+              <a:t>：返回当事件被触发时，鼠标指针</a:t>
+            </a:r>
+            <a:r>
+              <a:rPr kumimoji="1" lang="zh-CN" altLang="en-US" sz="2600" dirty="0" smtClean="0">
+                <a:solidFill>
+                  <a:srgbClr val="C00000"/>
+                </a:solidFill>
+              </a:rPr>
+              <a:t>相对于浏览器</a:t>
+            </a:r>
+            <a:r>
+              <a:rPr kumimoji="1" lang="zh-CN" altLang="en-US" sz="2600" dirty="0" smtClean="0"/>
+              <a:t>的水平坐标。</a:t>
             </a:r>
           </a:p>
           <a:p>
             <a:pPr>
               <a:lnSpc>
-                <a:spcPct val="150000"/>
+                <a:spcPts val="4000"/>
               </a:lnSpc>
             </a:pPr>
             <a:r>
-              <a:rPr kumimoji="1" lang="en-US" altLang="zh-CN" sz="2800" smtClean="0"/>
+              <a:rPr kumimoji="1" lang="en-US" altLang="zh-CN" sz="2600" dirty="0" err="1" smtClean="0"/>
               <a:t>clientY</a:t>
             </a:r>
             <a:r>
-              <a:rPr kumimoji="1" lang="zh-CN" altLang="en-US" sz="2800" smtClean="0"/>
+              <a:rPr kumimoji="1" lang="zh-CN" altLang="en-US" sz="2600" dirty="0" smtClean="0"/>
               <a:t>：鼠标指针的垂直坐标。</a:t>
             </a:r>
           </a:p>
           <a:p>
             <a:pPr>
               <a:lnSpc>
-                <a:spcPct val="150000"/>
+                <a:spcPts val="4000"/>
               </a:lnSpc>
             </a:pPr>
             <a:r>
-              <a:rPr kumimoji="1" lang="en-US" altLang="zh-CN" sz="2800" smtClean="0"/>
+              <a:rPr kumimoji="1" lang="en-US" altLang="zh-CN" sz="2600" dirty="0" err="1" smtClean="0"/>
               <a:t>screenX</a:t>
             </a:r>
             <a:r>
-              <a:rPr kumimoji="1" lang="zh-CN" altLang="en-US" sz="2800" smtClean="0"/>
-              <a:t>：鼠标指针相对于屏幕的水平坐标。</a:t>
+              <a:rPr kumimoji="1" lang="zh-CN" altLang="en-US" sz="2600" dirty="0" smtClean="0"/>
+              <a:t>：鼠标指针</a:t>
+            </a:r>
+            <a:r>
+              <a:rPr kumimoji="1" lang="zh-CN" altLang="en-US" sz="2600" dirty="0" smtClean="0">
+                <a:solidFill>
+                  <a:srgbClr val="C00000"/>
+                </a:solidFill>
+              </a:rPr>
+              <a:t>相对于屏幕</a:t>
+            </a:r>
+            <a:r>
+              <a:rPr kumimoji="1" lang="zh-CN" altLang="en-US" sz="2600" dirty="0" smtClean="0"/>
+              <a:t>的水平坐标。</a:t>
             </a:r>
           </a:p>
           <a:p>
             <a:pPr>
               <a:lnSpc>
-                <a:spcPct val="150000"/>
+                <a:spcPts val="4000"/>
               </a:lnSpc>
             </a:pPr>
             <a:r>
-              <a:rPr kumimoji="1" lang="en-US" altLang="zh-CN" sz="2800" smtClean="0"/>
+              <a:rPr kumimoji="1" lang="en-US" altLang="zh-CN" sz="2600" dirty="0" err="1" smtClean="0"/>
               <a:t>screenY</a:t>
             </a:r>
             <a:r>
-              <a:rPr kumimoji="1" lang="zh-CN" altLang="en-US" sz="2800" smtClean="0"/>
+              <a:rPr kumimoji="1" lang="zh-CN" altLang="en-US" sz="2600" dirty="0" smtClean="0"/>
               <a:t>：鼠标指针的垂直坐标。</a:t>
             </a:r>
           </a:p>
           <a:p>
             <a:pPr>
               <a:lnSpc>
-                <a:spcPct val="150000"/>
+                <a:spcPts val="4000"/>
               </a:lnSpc>
             </a:pPr>
             <a:r>
-              <a:rPr kumimoji="1" lang="en-US" altLang="zh-CN" sz="2800" smtClean="0"/>
+              <a:rPr kumimoji="1" lang="en-US" altLang="zh-CN" sz="2600" dirty="0" err="1" smtClean="0"/>
               <a:t>keyCode</a:t>
             </a:r>
             <a:r>
-              <a:rPr kumimoji="1" lang="zh-CN" altLang="en-US" sz="2800" smtClean="0"/>
-              <a:t>：被敲击的键的虚拟键盘码</a:t>
-            </a:r>
-            <a:r>
-              <a:rPr kumimoji="1" lang="zh-CN" altLang="en-US" sz="2600" smtClean="0"/>
-              <a:t>。</a:t>
-            </a:r>
-            <a:endParaRPr kumimoji="1" lang="en-US" altLang="zh-CN" sz="2600" smtClean="0"/>
+              <a:rPr kumimoji="1" lang="zh-CN" altLang="en-US" sz="2600" dirty="0" smtClean="0"/>
+              <a:t>：被敲击的键的虚拟键盘码。</a:t>
+            </a:r>
+            <a:endParaRPr kumimoji="1" lang="en-US" altLang="zh-CN" sz="2600" dirty="0" smtClean="0"/>
           </a:p>
           <a:p>
             <a:pPr>
@@ -7730,7 +8709,7 @@
                 <a:spcPts val="3600"/>
               </a:lnSpc>
             </a:pPr>
-            <a:endParaRPr kumimoji="1" lang="zh-CN" altLang="en-US" sz="2600" smtClean="0"/>
+            <a:endParaRPr kumimoji="1" lang="zh-CN" altLang="en-US" sz="2600" dirty="0" smtClean="0"/>
           </a:p>
         </p:txBody>
       </p:sp>
@@ -7744,8 +8723,8 @@
         </p:nvSpPr>
         <p:spPr bwMode="auto">
           <a:xfrm>
-            <a:off x="8324850" y="5619750"/>
-            <a:ext cx="3090863" cy="615950"/>
+            <a:off x="8324849" y="5927725"/>
+            <a:ext cx="2746900" cy="553994"/>
           </a:xfrm>
           <a:prstGeom prst="rect">
             <a:avLst/>
@@ -7886,18 +8865,18 @@
               <a:buNone/>
             </a:pPr>
             <a:r>
-              <a:rPr lang="en-US" altLang="zh-CN" sz="3200"/>
+              <a:rPr lang="en-US" altLang="zh-CN" sz="2800" dirty="0"/>
               <a:t>demo</a:t>
             </a:r>
             <a:r>
-              <a:rPr lang="zh-CN" altLang="en-US" sz="3200"/>
+              <a:rPr lang="zh-CN" altLang="en-US" sz="2800" dirty="0"/>
               <a:t> </a:t>
             </a:r>
             <a:r>
-              <a:rPr lang="en-US" altLang="zh-CN" sz="3200"/>
+              <a:rPr lang="en-US" altLang="zh-CN" sz="2800" dirty="0"/>
               <a:t>10-2.html</a:t>
             </a:r>
-            <a:endParaRPr lang="zh-CN" altLang="en-US" sz="3200"/>
+            <a:endParaRPr lang="zh-CN" altLang="en-US" sz="2800" dirty="0"/>
           </a:p>
         </p:txBody>
       </p:sp>
@@ -7956,6 +8935,131 @@
             <a:r>
               <a:rPr lang="zh-CN" altLang="en-US" sz="3200" smtClean="0"/>
               <a:t> 键盘属性</a:t>
+            </a:r>
+          </a:p>
+        </p:txBody>
+      </p:sp>
+      <p:sp>
+        <p:nvSpPr>
+          <p:cNvPr id="6" name="文本框 2"/>
+          <p:cNvSpPr txBox="1">
+            <a:spLocks noChangeArrowheads="1"/>
+          </p:cNvSpPr>
+          <p:nvPr/>
+        </p:nvSpPr>
+        <p:spPr bwMode="auto">
+          <a:xfrm>
+            <a:off x="524671" y="4710912"/>
+            <a:ext cx="11380788" cy="1023938"/>
+          </a:xfrm>
+          <a:prstGeom prst="rect">
+            <a:avLst/>
+          </a:prstGeom>
+          <a:solidFill>
+            <a:srgbClr val="FFC000"/>
+          </a:solidFill>
+          <a:ln>
+            <a:noFill/>
+          </a:ln>
+          <a:extLst>
+            <a:ext uri="{91240B29-F687-4F45-9708-019B960494DF}">
+              <a14:hiddenLine xmlns:a14="http://schemas.microsoft.com/office/drawing/2010/main" w="9525">
+                <a:solidFill>
+                  <a:srgbClr val="000000"/>
+                </a:solidFill>
+                <a:miter lim="800000"/>
+                <a:headEnd/>
+                <a:tailEnd/>
+              </a14:hiddenLine>
+            </a:ext>
+          </a:extLst>
+        </p:spPr>
+        <p:txBody>
+          <a:bodyPr>
+            <a:spAutoFit/>
+          </a:bodyPr>
+          <a:lstStyle/>
+          <a:p>
+            <a:pPr>
+              <a:lnSpc>
+                <a:spcPts val="3800"/>
+              </a:lnSpc>
+            </a:pPr>
+            <a:r>
+              <a:rPr lang="zh-CN" altLang="en-US" sz="2600" dirty="0"/>
+              <a:t>例</a:t>
+            </a:r>
+            <a:r>
+              <a:rPr lang="en-US" altLang="zh-CN" sz="2600" dirty="0"/>
+              <a:t>: </a:t>
+            </a:r>
+            <a:r>
+              <a:rPr lang="en-US" altLang="zh-CN" sz="2600" dirty="0" err="1"/>
+              <a:t>event.button</a:t>
+            </a:r>
+            <a:r>
+              <a:rPr lang="en-US" altLang="zh-CN" sz="2600" dirty="0"/>
+              <a:t>=0|1|2</a:t>
+            </a:r>
+            <a:r>
+              <a:rPr lang="zh-CN" altLang="en-US" sz="2600" dirty="0"/>
+              <a:t>。</a:t>
+            </a:r>
+            <a:r>
+              <a:rPr lang="en-US" altLang="zh-CN" sz="2600" dirty="0"/>
+              <a:t>0</a:t>
+            </a:r>
+            <a:r>
+              <a:rPr lang="zh-CN" altLang="en-US" sz="2600" dirty="0"/>
+              <a:t>规定鼠标左键；</a:t>
+            </a:r>
+            <a:r>
+              <a:rPr lang="en-US" altLang="zh-CN" sz="2600" dirty="0"/>
+              <a:t>1</a:t>
+            </a:r>
+            <a:r>
+              <a:rPr lang="zh-CN" altLang="en-US" sz="2600" dirty="0"/>
+              <a:t>规定鼠标中键；</a:t>
+            </a:r>
+            <a:r>
+              <a:rPr lang="en-US" altLang="zh-CN" sz="2600" dirty="0"/>
+              <a:t>2</a:t>
+            </a:r>
+            <a:r>
+              <a:rPr lang="zh-CN" altLang="en-US" sz="2600" dirty="0"/>
+              <a:t>规定鼠标右键。</a:t>
+            </a:r>
+            <a:r>
+              <a:rPr lang="zh-CN" altLang="en-US" sz="2600" dirty="0">
+                <a:solidFill>
+                  <a:srgbClr val="FFC000"/>
+                </a:solidFill>
+              </a:rPr>
+              <a:t>例</a:t>
+            </a:r>
+            <a:r>
+              <a:rPr lang="en-US" altLang="zh-CN" sz="2600" dirty="0">
+                <a:solidFill>
+                  <a:srgbClr val="FFC000"/>
+                </a:solidFill>
+              </a:rPr>
+              <a:t>: </a:t>
+            </a:r>
+            <a:r>
+              <a:rPr lang="en-US" altLang="zh-CN" sz="2600" dirty="0"/>
+              <a:t>Enter</a:t>
+            </a:r>
+            <a:r>
+              <a:rPr lang="zh-CN" altLang="en-US" sz="2600" dirty="0"/>
+              <a:t>的虚拟键盘码是</a:t>
+            </a:r>
+            <a:r>
+              <a:rPr lang="en-US" altLang="zh-CN" sz="2600" dirty="0"/>
+              <a:t>13</a:t>
+            </a:r>
+            <a:r>
+              <a:rPr lang="zh-CN" altLang="en-US" sz="2600" dirty="0"/>
+              <a:t>。</a:t>
             </a:r>
           </a:p>
         </p:txBody>
@@ -8072,6 +9176,302 @@
                       </p:childTnLst>
                     </p:cTn>
                   </p:par>
+                  <p:par>
+                    <p:cTn id="10" fill="hold">
+                      <p:stCondLst>
+                        <p:cond delay="indefinite"/>
+                      </p:stCondLst>
+                      <p:childTnLst>
+                        <p:par>
+                          <p:cTn id="11" fill="hold">
+                            <p:stCondLst>
+                              <p:cond delay="0"/>
+                            </p:stCondLst>
+                            <p:childTnLst>
+                              <p:par>
+                                <p:cTn id="12" presetID="26" presetClass="entr" presetSubtype="0" fill="hold" grpId="0" nodeType="clickEffect">
+                                  <p:stCondLst>
+                                    <p:cond delay="0"/>
+                                  </p:stCondLst>
+                                  <p:childTnLst>
+                                    <p:set>
+                                      <p:cBhvr>
+                                        <p:cTn id="13" dur="1" fill="hold">
+                                          <p:stCondLst>
+                                            <p:cond delay="0"/>
+                                          </p:stCondLst>
+                                        </p:cTn>
+                                        <p:tgtEl>
+                                          <p:spTgt spid="6"/>
+                                        </p:tgtEl>
+                                        <p:attrNameLst>
+                                          <p:attrName>style.visibility</p:attrName>
+                                        </p:attrNameLst>
+                                      </p:cBhvr>
+                                      <p:to>
+                                        <p:strVal val="visible"/>
+                                      </p:to>
+                                    </p:set>
+                                    <p:animEffect transition="in" filter="wipe(down)">
+                                      <p:cBhvr>
+                                        <p:cTn id="14" dur="580">
+                                          <p:stCondLst>
+                                            <p:cond delay="0"/>
+                                          </p:stCondLst>
+                                        </p:cTn>
+                                        <p:tgtEl>
+                                          <p:spTgt spid="6"/>
+                                        </p:tgtEl>
+                                      </p:cBhvr>
+                                    </p:animEffect>
+                                    <p:anim calcmode="lin" valueType="num">
+                                      <p:cBhvr>
+                                        <p:cTn id="15" dur="1822" tmFilter="0,0; 0.14,0.36; 0.43,0.73; 0.71,0.91; 1.0,1.0">
+                                          <p:stCondLst>
+                                            <p:cond delay="0"/>
+                                          </p:stCondLst>
+                                        </p:cTn>
+                                        <p:tgtEl>
+                                          <p:spTgt spid="6"/>
+                                        </p:tgtEl>
+                                        <p:attrNameLst>
+                                          <p:attrName>ppt_x</p:attrName>
+                                        </p:attrNameLst>
+                                      </p:cBhvr>
+                                      <p:tavLst>
+                                        <p:tav tm="0">
+                                          <p:val>
+                                            <p:strVal val="#ppt_x-0.25"/>
+                                          </p:val>
+                                        </p:tav>
+                                        <p:tav tm="100000">
+                                          <p:val>
+                                            <p:strVal val="#ppt_x"/>
+                                          </p:val>
+                                        </p:tav>
+                                      </p:tavLst>
+                                    </p:anim>
+                                    <p:anim calcmode="lin" valueType="num">
+                                      <p:cBhvr>
+                                        <p:cTn id="16" dur="664" tmFilter="0.0,0.0; 0.25,0.07; 0.50,0.2; 0.75,0.467; 1.0,1.0">
+                                          <p:stCondLst>
+                                            <p:cond delay="0"/>
+                                          </p:stCondLst>
+                                        </p:cTn>
+                                        <p:tgtEl>
+                                          <p:spTgt spid="6"/>
+                                        </p:tgtEl>
+                                        <p:attrNameLst>
+                                          <p:attrName>ppt_y</p:attrName>
+                                        </p:attrNameLst>
+                                      </p:cBhvr>
+                                      <p:tavLst>
+                                        <p:tav tm="0" fmla="#ppt_y-sin(pi*$)/3">
+                                          <p:val>
+                                            <p:fltVal val="0.5"/>
+                                          </p:val>
+                                        </p:tav>
+                                        <p:tav tm="100000">
+                                          <p:val>
+                                            <p:fltVal val="1"/>
+                                          </p:val>
+                                        </p:tav>
+                                      </p:tavLst>
+                                    </p:anim>
+                                    <p:anim calcmode="lin" valueType="num">
+                                      <p:cBhvr>
+                                        <p:cTn id="17" dur="664" tmFilter="0, 0; 0.125,0.2665; 0.25,0.4; 0.375,0.465; 0.5,0.5;  0.625,0.535; 0.75,0.6; 0.875,0.7335; 1,1">
+                                          <p:stCondLst>
+                                            <p:cond delay="664"/>
+                                          </p:stCondLst>
+                                        </p:cTn>
+                                        <p:tgtEl>
+                                          <p:spTgt spid="6"/>
+                                        </p:tgtEl>
+                                        <p:attrNameLst>
+                                          <p:attrName>ppt_y</p:attrName>
+                                        </p:attrNameLst>
+                                      </p:cBhvr>
+                                      <p:tavLst>
+                                        <p:tav tm="0" fmla="#ppt_y-sin(pi*$)/9">
+                                          <p:val>
+                                            <p:fltVal val="0"/>
+                                          </p:val>
+                                        </p:tav>
+                                        <p:tav tm="100000">
+                                          <p:val>
+                                            <p:fltVal val="1"/>
+                                          </p:val>
+                                        </p:tav>
+                                      </p:tavLst>
+                                    </p:anim>
+                                    <p:anim calcmode="lin" valueType="num">
+                                      <p:cBhvr>
+                                        <p:cTn id="18" dur="332" tmFilter="0, 0; 0.125,0.2665; 0.25,0.4; 0.375,0.465; 0.5,0.5;  0.625,0.535; 0.75,0.6; 0.875,0.7335; 1,1">
+                                          <p:stCondLst>
+                                            <p:cond delay="1324"/>
+                                          </p:stCondLst>
+                                        </p:cTn>
+                                        <p:tgtEl>
+                                          <p:spTgt spid="6"/>
+                                        </p:tgtEl>
+                                        <p:attrNameLst>
+                                          <p:attrName>ppt_y</p:attrName>
+                                        </p:attrNameLst>
+                                      </p:cBhvr>
+                                      <p:tavLst>
+                                        <p:tav tm="0" fmla="#ppt_y-sin(pi*$)/27">
+                                          <p:val>
+                                            <p:fltVal val="0"/>
+                                          </p:val>
+                                        </p:tav>
+                                        <p:tav tm="100000">
+                                          <p:val>
+                                            <p:fltVal val="1"/>
+                                          </p:val>
+                                        </p:tav>
+                                      </p:tavLst>
+                                    </p:anim>
+                                    <p:anim calcmode="lin" valueType="num">
+                                      <p:cBhvr>
+                                        <p:cTn id="19" dur="164" tmFilter="0, 0; 0.125,0.2665; 0.25,0.4; 0.375,0.465; 0.5,0.5;  0.625,0.535; 0.75,0.6; 0.875,0.7335; 1,1">
+                                          <p:stCondLst>
+                                            <p:cond delay="1656"/>
+                                          </p:stCondLst>
+                                        </p:cTn>
+                                        <p:tgtEl>
+                                          <p:spTgt spid="6"/>
+                                        </p:tgtEl>
+                                        <p:attrNameLst>
+                                          <p:attrName>ppt_y</p:attrName>
+                                        </p:attrNameLst>
+                                      </p:cBhvr>
+                                      <p:tavLst>
+                                        <p:tav tm="0" fmla="#ppt_y-sin(pi*$)/81">
+                                          <p:val>
+                                            <p:fltVal val="0"/>
+                                          </p:val>
+                                        </p:tav>
+                                        <p:tav tm="100000">
+                                          <p:val>
+                                            <p:fltVal val="1"/>
+                                          </p:val>
+                                        </p:tav>
+                                      </p:tavLst>
+                                    </p:anim>
+                                    <p:animScale>
+                                      <p:cBhvr>
+                                        <p:cTn id="20" dur="26">
+                                          <p:stCondLst>
+                                            <p:cond delay="650"/>
+                                          </p:stCondLst>
+                                        </p:cTn>
+                                        <p:tgtEl>
+                                          <p:spTgt spid="6"/>
+                                        </p:tgtEl>
+                                      </p:cBhvr>
+                                      <p:to x="100000" y="60000"/>
+                                    </p:animScale>
+                                    <p:animScale>
+                                      <p:cBhvr>
+                                        <p:cTn id="21" dur="166" decel="50000">
+                                          <p:stCondLst>
+                                            <p:cond delay="676"/>
+                                          </p:stCondLst>
+                                        </p:cTn>
+                                        <p:tgtEl>
+                                          <p:spTgt spid="6"/>
+                                        </p:tgtEl>
+                                      </p:cBhvr>
+                                      <p:to x="100000" y="100000"/>
+                                    </p:animScale>
+                                    <p:animScale>
+                                      <p:cBhvr>
+                                        <p:cTn id="22" dur="26">
+                                          <p:stCondLst>
+                                            <p:cond delay="1312"/>
+                                          </p:stCondLst>
+                                        </p:cTn>
+                                        <p:tgtEl>
+                                          <p:spTgt spid="6"/>
+                                        </p:tgtEl>
+                                      </p:cBhvr>
+                                      <p:to x="100000" y="80000"/>
+                                    </p:animScale>
+                                    <p:animScale>
+                                      <p:cBhvr>
+                                        <p:cTn id="23" dur="166" decel="50000">
+                                          <p:stCondLst>
+                                            <p:cond delay="1338"/>
+                                          </p:stCondLst>
+                                        </p:cTn>
+                                        <p:tgtEl>
+                                          <p:spTgt spid="6"/>
+                                        </p:tgtEl>
+                                      </p:cBhvr>
+                                      <p:to x="100000" y="100000"/>
+                                    </p:animScale>
+                                    <p:animScale>
+                                      <p:cBhvr>
+                                        <p:cTn id="24" dur="26">
+                                          <p:stCondLst>
+                                            <p:cond delay="1642"/>
+                                          </p:stCondLst>
+                                        </p:cTn>
+                                        <p:tgtEl>
+                                          <p:spTgt spid="6"/>
+                                        </p:tgtEl>
+                                      </p:cBhvr>
+                                      <p:to x="100000" y="90000"/>
+                                    </p:animScale>
+                                    <p:animScale>
+                                      <p:cBhvr>
+                                        <p:cTn id="25" dur="166" decel="50000">
+                                          <p:stCondLst>
+                                            <p:cond delay="1668"/>
+                                          </p:stCondLst>
+                                        </p:cTn>
+                                        <p:tgtEl>
+                                          <p:spTgt spid="6"/>
+                                        </p:tgtEl>
+                                      </p:cBhvr>
+                                      <p:to x="100000" y="100000"/>
+                                    </p:animScale>
+                                    <p:animScale>
+                                      <p:cBhvr>
+                                        <p:cTn id="26" dur="26">
+                                          <p:stCondLst>
+                                            <p:cond delay="1808"/>
+                                          </p:stCondLst>
+                                        </p:cTn>
+                                        <p:tgtEl>
+                                          <p:spTgt spid="6"/>
+                                        </p:tgtEl>
+                                      </p:cBhvr>
+                                      <p:to x="100000" y="95000"/>
+                                    </p:animScale>
+                                    <p:animScale>
+                                      <p:cBhvr>
+                                        <p:cTn id="27" dur="166" decel="50000">
+                                          <p:stCondLst>
+                                            <p:cond delay="1834"/>
+                                          </p:stCondLst>
+                                        </p:cTn>
+                                        <p:tgtEl>
+                                          <p:spTgt spid="6"/>
+                                        </p:tgtEl>
+                                      </p:cBhvr>
+                                      <p:to x="100000" y="100000"/>
+                                    </p:animScale>
+                                  </p:childTnLst>
+                                </p:cTn>
+                              </p:par>
+                            </p:childTnLst>
+                          </p:cTn>
+                        </p:par>
+                      </p:childTnLst>
+                    </p:cTn>
+                  </p:par>
                 </p:childTnLst>
               </p:cTn>
               <p:prevCondLst>
@@ -8095,6 +9495,7 @@
     </p:tnLst>
     <p:bldLst>
       <p:bldP spid="5" grpId="0" animBg="1"/>
+      <p:bldP spid="6" grpId="0" animBg="1"/>
     </p:bldLst>
   </p:timing>
 </p:sld>
@@ -8179,7 +9580,7 @@
         <p:spPr bwMode="auto">
           <a:xfrm>
             <a:off x="7902575" y="5176838"/>
-            <a:ext cx="3090863" cy="615950"/>
+            <a:ext cx="2746900" cy="553994"/>
           </a:xfrm>
           <a:prstGeom prst="rect">
             <a:avLst/>
@@ -8325,18 +9726,18 @@
               <a:buNone/>
             </a:pPr>
             <a:r>
-              <a:rPr lang="en-US" altLang="zh-CN" sz="3200"/>
+              <a:rPr lang="en-US" altLang="zh-CN" sz="2800" dirty="0"/>
               <a:t>demo</a:t>
             </a:r>
             <a:r>
-              <a:rPr lang="zh-CN" altLang="en-US" sz="3200"/>
+              <a:rPr lang="zh-CN" altLang="en-US" sz="2800" dirty="0"/>
               <a:t> </a:t>
             </a:r>
             <a:r>
-              <a:rPr lang="en-US" altLang="zh-CN" sz="3200"/>
+              <a:rPr lang="en-US" altLang="zh-CN" sz="2800" dirty="0"/>
               <a:t>10-3.html</a:t>
             </a:r>
-            <a:endParaRPr lang="zh-CN" altLang="en-US" sz="3200"/>
+            <a:endParaRPr lang="zh-CN" altLang="en-US" sz="2800" dirty="0"/>
           </a:p>
         </p:txBody>
       </p:sp>
@@ -8844,7 +10245,7 @@
   <a:extraClrSchemeLst/>
   <a:extLst>
     <a:ext uri="{05A4C25C-085E-4340-85A3-A5531E510DB2}">
-      <thm15:themeFamily xmlns="" xmlns:thm15="http://schemas.microsoft.com/office/thememl/2012/main" name="Office Theme" id="{62F939B6-93AF-4DB8-9C6B-D6C7DFDC589F}" vid="{4A3C46E8-61CC-4603-A589-7422A47A8E4A}"/>
+      <thm15:themeFamily xmlns:thm15="http://schemas.microsoft.com/office/thememl/2012/main" name="Office Theme" id="{62F939B6-93AF-4DB8-9C6B-D6C7DFDC589F}" vid="{4A3C46E8-61CC-4603-A589-7422A47A8E4A}"/>
     </a:ext>
   </a:extLst>
 </a:theme>
@@ -9132,7 +10533,7 @@
   <a:extraClrSchemeLst/>
   <a:extLst>
     <a:ext uri="{05A4C25C-085E-4340-85A3-A5531E510DB2}">
-      <thm15:themeFamily xmlns="" xmlns:thm15="http://schemas.microsoft.com/office/thememl/2012/main" name="Office Theme" id="{62F939B6-93AF-4DB8-9C6B-D6C7DFDC589F}" vid="{4A3C46E8-61CC-4603-A589-7422A47A8E4A}"/>
+      <thm15:themeFamily xmlns:thm15="http://schemas.microsoft.com/office/thememl/2012/main" name="Office Theme" id="{62F939B6-93AF-4DB8-9C6B-D6C7DFDC589F}" vid="{4A3C46E8-61CC-4603-A589-7422A47A8E4A}"/>
     </a:ext>
   </a:extLst>
 </a:theme>
